--- a/정보처리기사/4. 프로그래밍 언어 활용.pptx
+++ b/정보처리기사/4. 프로그래밍 언어 활용.pptx
@@ -5,10 +5,10 @@
     <p:sldMasterId id="2147483648" r:id="rId1"/>
   </p:sldMasterIdLst>
   <p:notesMasterIdLst>
-    <p:notesMasterId r:id="rId11"/>
+    <p:notesMasterId r:id="rId17"/>
   </p:notesMasterIdLst>
   <p:handoutMasterIdLst>
-    <p:handoutMasterId r:id="rId12"/>
+    <p:handoutMasterId r:id="rId18"/>
   </p:handoutMasterIdLst>
   <p:sldIdLst>
     <p:sldId id="259" r:id="rId2"/>
@@ -20,6 +20,12 @@
     <p:sldId id="264" r:id="rId8"/>
     <p:sldId id="265" r:id="rId9"/>
     <p:sldId id="266" r:id="rId10"/>
+    <p:sldId id="267" r:id="rId11"/>
+    <p:sldId id="268" r:id="rId12"/>
+    <p:sldId id="269" r:id="rId13"/>
+    <p:sldId id="270" r:id="rId14"/>
+    <p:sldId id="271" r:id="rId15"/>
+    <p:sldId id="272" r:id="rId16"/>
   </p:sldIdLst>
   <p:sldSz cx="12192000" cy="6858000"/>
   <p:notesSz cx="9144000" cy="6858000"/>
@@ -146,6 +152,20 @@
             <p14:sldId id="266"/>
           </p14:sldIdLst>
         </p14:section>
+        <p14:section name="응용 SW 기초 기술 활용 - 운영체제 기초 활용" id="{CF3BF0C5-8639-4C45-9FAC-AC9D2F0BAB20}">
+          <p14:sldIdLst>
+            <p14:sldId id="267"/>
+            <p14:sldId id="268"/>
+            <p14:sldId id="269"/>
+          </p14:sldIdLst>
+        </p14:section>
+        <p14:section name="응용 SW 기초 기술 활용 - 네트워크 기초 활용" id="{209576EF-7FB2-4416-8E10-ED90DC8356E1}">
+          <p14:sldIdLst>
+            <p14:sldId id="270"/>
+            <p14:sldId id="271"/>
+            <p14:sldId id="272"/>
+          </p14:sldIdLst>
+        </p14:section>
       </p14:sectionLst>
     </p:ext>
     <p:ext uri="{EFAFB233-063F-42B5-8137-9DF3F51BA10A}">
@@ -252,7 +272,7 @@
           <a:p>
             <a:fld id="{A4D0E862-B602-4F19-9CCB-DBEF680D281A}" type="datetimeFigureOut">
               <a:rPr lang="ko-KR" altLang="en-US" smtClean="0"/>
-              <a:t>2021-08-07</a:t>
+              <a:t>2021-08-09</a:t>
             </a:fld>
             <a:endParaRPr lang="ko-KR" altLang="en-US"/>
           </a:p>
@@ -429,7 +449,7 @@
           <a:p>
             <a:fld id="{44272663-55A4-40A7-950D-2D273278BFB3}" type="datetimeFigureOut">
               <a:rPr lang="ko-KR" altLang="en-US" smtClean="0"/>
-              <a:t>2021-08-07</a:t>
+              <a:t>2021-08-09</a:t>
             </a:fld>
             <a:endParaRPr lang="ko-KR" altLang="en-US"/>
           </a:p>
@@ -1536,7 +1556,7 @@
           <a:p>
             <a:fld id="{B226B4E6-2447-4D67-A511-B13A2182F919}" type="datetime5">
               <a:rPr lang="ko-KR" altLang="en-US" smtClean="0"/>
-              <a:t>2021/8/7</a:t>
+              <a:t>2021/8/9</a:t>
             </a:fld>
             <a:endParaRPr lang="ko-KR" altLang="en-US" dirty="0"/>
           </a:p>
@@ -1907,7 +1927,7 @@
           <a:p>
             <a:fld id="{B226B4E6-2447-4D67-A511-B13A2182F919}" type="datetime5">
               <a:rPr lang="ko-KR" altLang="en-US" smtClean="0"/>
-              <a:t>2021/8/7</a:t>
+              <a:t>2021/8/9</a:t>
             </a:fld>
             <a:endParaRPr lang="ko-KR" altLang="en-US" dirty="0"/>
           </a:p>
@@ -2201,7 +2221,7 @@
           <a:p>
             <a:fld id="{B226B4E6-2447-4D67-A511-B13A2182F919}" type="datetime5">
               <a:rPr lang="ko-KR" altLang="en-US" smtClean="0"/>
-              <a:t>2021/8/7</a:t>
+              <a:t>2021/8/9</a:t>
             </a:fld>
             <a:endParaRPr lang="ko-KR" altLang="en-US" dirty="0"/>
           </a:p>
@@ -2503,7 +2523,7 @@
           <a:p>
             <a:fld id="{B226B4E6-2447-4D67-A511-B13A2182F919}" type="datetime5">
               <a:rPr lang="ko-KR" altLang="en-US" smtClean="0"/>
-              <a:t>2021/8/7</a:t>
+              <a:t>2021/8/9</a:t>
             </a:fld>
             <a:endParaRPr lang="ko-KR" altLang="en-US" dirty="0"/>
           </a:p>
@@ -3233,6 +3253,2591 @@
 </p:sld>
 </file>
 
+<file path=ppt/slides/slide10.xml><?xml version="1.0" encoding="utf-8"?>
+<p:sld xmlns:a="http://schemas.openxmlformats.org/drawingml/2006/main" xmlns:r="http://schemas.openxmlformats.org/officeDocument/2006/relationships" xmlns:p="http://schemas.openxmlformats.org/presentationml/2006/main">
+  <p:cSld>
+    <p:spTree>
+      <p:nvGrpSpPr>
+        <p:cNvPr id="1" name=""/>
+        <p:cNvGrpSpPr/>
+        <p:nvPr/>
+      </p:nvGrpSpPr>
+      <p:grpSpPr>
+        <a:xfrm>
+          <a:off x="0" y="0"/>
+          <a:ext cx="0" cy="0"/>
+          <a:chOff x="0" y="0"/>
+          <a:chExt cx="0" cy="0"/>
+        </a:xfrm>
+      </p:grpSpPr>
+      <p:sp>
+        <p:nvSpPr>
+          <p:cNvPr id="2" name="내용 개체 틀 1">
+            <a:extLst>
+              <a:ext uri="{FF2B5EF4-FFF2-40B4-BE49-F238E27FC236}">
+                <a16:creationId xmlns:a16="http://schemas.microsoft.com/office/drawing/2014/main" id="{A3AC3337-C369-4926-A6DC-098337C4B884}"/>
+              </a:ext>
+            </a:extLst>
+          </p:cNvPr>
+          <p:cNvSpPr>
+            <a:spLocks noGrp="1"/>
+          </p:cNvSpPr>
+          <p:nvPr>
+            <p:ph sz="half" idx="14"/>
+          </p:nvPr>
+        </p:nvSpPr>
+        <p:spPr/>
+        <p:txBody>
+          <a:bodyPr/>
+          <a:lstStyle/>
+          <a:p>
+            <a:r>
+              <a:rPr lang="en-US" altLang="ko-KR" dirty="0"/>
+              <a:t>OS</a:t>
+            </a:r>
+          </a:p>
+          <a:p>
+            <a:pPr lvl="1"/>
+            <a:r>
+              <a:rPr lang="ko-KR" altLang="en-US" dirty="0"/>
+              <a:t>기능</a:t>
+            </a:r>
+            <a:endParaRPr lang="en-US" altLang="ko-KR" dirty="0"/>
+          </a:p>
+          <a:p>
+            <a:pPr lvl="2"/>
+            <a:r>
+              <a:rPr lang="en-US" altLang="ko-KR" dirty="0"/>
+              <a:t>Shell: </a:t>
+            </a:r>
+            <a:r>
+              <a:rPr lang="ko-KR" altLang="en-US" dirty="0"/>
+              <a:t>사용자 명령어의 처리</a:t>
+            </a:r>
+            <a:endParaRPr lang="en-US" altLang="ko-KR" dirty="0"/>
+          </a:p>
+          <a:p>
+            <a:pPr lvl="2"/>
+            <a:r>
+              <a:rPr lang="en-US" altLang="ko-KR" dirty="0"/>
+              <a:t>Kernel: </a:t>
+            </a:r>
+            <a:r>
+              <a:rPr lang="ko-KR" altLang="en-US" dirty="0"/>
+              <a:t>핵심 기능</a:t>
+            </a:r>
+            <a:endParaRPr lang="en-US" altLang="ko-KR" dirty="0"/>
+          </a:p>
+          <a:p>
+            <a:pPr lvl="3"/>
+            <a:r>
+              <a:rPr lang="en-US" altLang="ko-KR" dirty="0"/>
+              <a:t>Process </a:t>
+            </a:r>
+            <a:r>
+              <a:rPr lang="ko-KR" altLang="en-US" dirty="0"/>
+              <a:t>관리</a:t>
+            </a:r>
+            <a:endParaRPr lang="en-US" altLang="ko-KR" dirty="0"/>
+          </a:p>
+          <a:p>
+            <a:pPr lvl="3"/>
+            <a:r>
+              <a:rPr lang="en-US" altLang="ko-KR" dirty="0"/>
+              <a:t>Memory </a:t>
+            </a:r>
+            <a:r>
+              <a:rPr lang="ko-KR" altLang="en-US" dirty="0"/>
+              <a:t>관리</a:t>
+            </a:r>
+            <a:endParaRPr lang="en-US" altLang="ko-KR" dirty="0"/>
+          </a:p>
+          <a:p>
+            <a:pPr lvl="3"/>
+            <a:r>
+              <a:rPr lang="en-US" altLang="ko-KR" dirty="0"/>
+              <a:t>IO Device </a:t>
+            </a:r>
+            <a:r>
+              <a:rPr lang="ko-KR" altLang="en-US" dirty="0"/>
+              <a:t>관리</a:t>
+            </a:r>
+            <a:endParaRPr lang="en-US" altLang="ko-KR" dirty="0"/>
+          </a:p>
+          <a:p>
+            <a:pPr lvl="3"/>
+            <a:r>
+              <a:rPr lang="en-US" altLang="ko-KR" dirty="0"/>
+              <a:t>File </a:t>
+            </a:r>
+            <a:r>
+              <a:rPr lang="ko-KR" altLang="en-US" dirty="0"/>
+              <a:t>관리</a:t>
+            </a:r>
+            <a:endParaRPr lang="en-US" altLang="ko-KR" dirty="0"/>
+          </a:p>
+          <a:p>
+            <a:pPr lvl="3"/>
+            <a:endParaRPr lang="ko-KR" altLang="en-US" dirty="0"/>
+          </a:p>
+        </p:txBody>
+      </p:sp>
+      <p:sp>
+        <p:nvSpPr>
+          <p:cNvPr id="3" name="제목 2">
+            <a:extLst>
+              <a:ext uri="{FF2B5EF4-FFF2-40B4-BE49-F238E27FC236}">
+                <a16:creationId xmlns:a16="http://schemas.microsoft.com/office/drawing/2014/main" id="{AA7A50FD-AC83-4DF0-9542-63D2F3D19C46}"/>
+              </a:ext>
+            </a:extLst>
+          </p:cNvPr>
+          <p:cNvSpPr>
+            <a:spLocks noGrp="1"/>
+          </p:cNvSpPr>
+          <p:nvPr>
+            <p:ph type="title"/>
+          </p:nvPr>
+        </p:nvSpPr>
+        <p:spPr/>
+        <p:txBody>
+          <a:bodyPr/>
+          <a:lstStyle/>
+          <a:p>
+            <a:r>
+              <a:rPr lang="en-US" altLang="ko-KR" dirty="0"/>
+              <a:t>OS</a:t>
+            </a:r>
+            <a:endParaRPr lang="ko-KR" altLang="en-US" dirty="0"/>
+          </a:p>
+        </p:txBody>
+      </p:sp>
+      <p:sp>
+        <p:nvSpPr>
+          <p:cNvPr id="4" name="내용 개체 틀 3">
+            <a:extLst>
+              <a:ext uri="{FF2B5EF4-FFF2-40B4-BE49-F238E27FC236}">
+                <a16:creationId xmlns:a16="http://schemas.microsoft.com/office/drawing/2014/main" id="{AA34FEE4-3B87-42F9-A1DB-C759F732B1CE}"/>
+              </a:ext>
+            </a:extLst>
+          </p:cNvPr>
+          <p:cNvSpPr>
+            <a:spLocks noGrp="1"/>
+          </p:cNvSpPr>
+          <p:nvPr>
+            <p:ph sz="half" idx="2"/>
+          </p:nvPr>
+        </p:nvSpPr>
+        <p:spPr/>
+        <p:txBody>
+          <a:bodyPr>
+            <a:normAutofit/>
+          </a:bodyPr>
+          <a:lstStyle/>
+          <a:p>
+            <a:endParaRPr lang="en-US" altLang="ko-KR" dirty="0"/>
+          </a:p>
+        </p:txBody>
+      </p:sp>
+      <p:sp>
+        <p:nvSpPr>
+          <p:cNvPr id="5" name="슬라이드 번호 개체 틀 4">
+            <a:extLst>
+              <a:ext uri="{FF2B5EF4-FFF2-40B4-BE49-F238E27FC236}">
+                <a16:creationId xmlns:a16="http://schemas.microsoft.com/office/drawing/2014/main" id="{A11ECAC6-83D8-4653-8C63-325CD0A0365B}"/>
+              </a:ext>
+            </a:extLst>
+          </p:cNvPr>
+          <p:cNvSpPr>
+            <a:spLocks noGrp="1"/>
+          </p:cNvSpPr>
+          <p:nvPr>
+            <p:ph type="sldNum" sz="quarter" idx="12"/>
+          </p:nvPr>
+        </p:nvSpPr>
+        <p:spPr/>
+        <p:txBody>
+          <a:bodyPr/>
+          <a:lstStyle/>
+          <a:p>
+            <a:fld id="{89BED30C-66D9-4104-96BC-081A506F0CF0}" type="slidenum">
+              <a:rPr lang="ko-KR" altLang="en-US" smtClean="0"/>
+              <a:t>10</a:t>
+            </a:fld>
+            <a:endParaRPr lang="ko-KR" altLang="en-US"/>
+          </a:p>
+        </p:txBody>
+      </p:sp>
+      <p:sp>
+        <p:nvSpPr>
+          <p:cNvPr id="6" name="바닥글 개체 틀 5">
+            <a:extLst>
+              <a:ext uri="{FF2B5EF4-FFF2-40B4-BE49-F238E27FC236}">
+                <a16:creationId xmlns:a16="http://schemas.microsoft.com/office/drawing/2014/main" id="{BB293278-846C-45C3-B6F5-B06C1F74708E}"/>
+              </a:ext>
+            </a:extLst>
+          </p:cNvPr>
+          <p:cNvSpPr>
+            <a:spLocks noGrp="1"/>
+          </p:cNvSpPr>
+          <p:nvPr>
+            <p:ph type="ftr" sz="quarter" idx="3"/>
+          </p:nvPr>
+        </p:nvSpPr>
+        <p:spPr/>
+        <p:txBody>
+          <a:bodyPr/>
+          <a:lstStyle/>
+          <a:p>
+            <a:pPr algn="l"/>
+            <a:r>
+              <a:rPr lang="en-US" altLang="ko-KR"/>
+              <a:t>Nibble</a:t>
+            </a:r>
+            <a:endParaRPr lang="ko-KR" altLang="en-US" dirty="0"/>
+          </a:p>
+        </p:txBody>
+      </p:sp>
+      <p:sp>
+        <p:nvSpPr>
+          <p:cNvPr id="7" name="날짜 개체 틀 6">
+            <a:extLst>
+              <a:ext uri="{FF2B5EF4-FFF2-40B4-BE49-F238E27FC236}">
+                <a16:creationId xmlns:a16="http://schemas.microsoft.com/office/drawing/2014/main" id="{09CD3924-F63B-4F78-8FCF-BE47FEAFFEB4}"/>
+              </a:ext>
+            </a:extLst>
+          </p:cNvPr>
+          <p:cNvSpPr>
+            <a:spLocks noGrp="1"/>
+          </p:cNvSpPr>
+          <p:nvPr>
+            <p:ph type="dt" sz="half" idx="13"/>
+          </p:nvPr>
+        </p:nvSpPr>
+        <p:spPr/>
+        <p:txBody>
+          <a:bodyPr/>
+          <a:lstStyle/>
+          <a:p>
+            <a:fld id="{B226B4E6-2447-4D67-A511-B13A2182F919}" type="datetime5">
+              <a:rPr lang="ko-KR" altLang="en-US" smtClean="0"/>
+              <a:t>2021/8/9</a:t>
+            </a:fld>
+            <a:endParaRPr lang="ko-KR" altLang="en-US" dirty="0"/>
+          </a:p>
+        </p:txBody>
+      </p:sp>
+    </p:spTree>
+    <p:extLst>
+      <p:ext uri="{BB962C8B-B14F-4D97-AF65-F5344CB8AC3E}">
+        <p14:creationId xmlns:p14="http://schemas.microsoft.com/office/powerpoint/2010/main" val="2064824626"/>
+      </p:ext>
+    </p:extLst>
+  </p:cSld>
+  <p:clrMapOvr>
+    <a:masterClrMapping/>
+  </p:clrMapOvr>
+</p:sld>
+</file>
+
+<file path=ppt/slides/slide11.xml><?xml version="1.0" encoding="utf-8"?>
+<p:sld xmlns:a="http://schemas.openxmlformats.org/drawingml/2006/main" xmlns:r="http://schemas.openxmlformats.org/officeDocument/2006/relationships" xmlns:p="http://schemas.openxmlformats.org/presentationml/2006/main">
+  <p:cSld>
+    <p:spTree>
+      <p:nvGrpSpPr>
+        <p:cNvPr id="1" name=""/>
+        <p:cNvGrpSpPr/>
+        <p:nvPr/>
+      </p:nvGrpSpPr>
+      <p:grpSpPr>
+        <a:xfrm>
+          <a:off x="0" y="0"/>
+          <a:ext cx="0" cy="0"/>
+          <a:chOff x="0" y="0"/>
+          <a:chExt cx="0" cy="0"/>
+        </a:xfrm>
+      </p:grpSpPr>
+      <p:sp>
+        <p:nvSpPr>
+          <p:cNvPr id="2" name="내용 개체 틀 1">
+            <a:extLst>
+              <a:ext uri="{FF2B5EF4-FFF2-40B4-BE49-F238E27FC236}">
+                <a16:creationId xmlns:a16="http://schemas.microsoft.com/office/drawing/2014/main" id="{D3C3C34C-FA4B-45A0-AE98-BC1665A2A0F8}"/>
+              </a:ext>
+            </a:extLst>
+          </p:cNvPr>
+          <p:cNvSpPr>
+            <a:spLocks noGrp="1"/>
+          </p:cNvSpPr>
+          <p:nvPr>
+            <p:ph sz="half" idx="14"/>
+          </p:nvPr>
+        </p:nvSpPr>
+        <p:spPr/>
+        <p:txBody>
+          <a:bodyPr/>
+          <a:lstStyle/>
+          <a:p>
+            <a:r>
+              <a:rPr lang="en-US" altLang="ko-KR" dirty="0"/>
+              <a:t>Memory </a:t>
+            </a:r>
+            <a:r>
+              <a:rPr lang="ko-KR" altLang="en-US" dirty="0"/>
+              <a:t>관리</a:t>
+            </a:r>
+            <a:endParaRPr lang="en-US" altLang="ko-KR" dirty="0"/>
+          </a:p>
+          <a:p>
+            <a:pPr lvl="1"/>
+            <a:r>
+              <a:rPr lang="ko-KR" altLang="en-US" dirty="0"/>
+              <a:t>기법</a:t>
+            </a:r>
+            <a:endParaRPr lang="en-US" altLang="ko-KR" dirty="0"/>
+          </a:p>
+          <a:p>
+            <a:pPr lvl="2"/>
+            <a:r>
+              <a:rPr lang="ko-KR" altLang="en-US" dirty="0"/>
+              <a:t>반입</a:t>
+            </a:r>
+            <a:r>
+              <a:rPr lang="en-US" altLang="ko-KR" dirty="0"/>
+              <a:t> </a:t>
+            </a:r>
+            <a:r>
+              <a:rPr lang="ko-KR" altLang="en-US" dirty="0"/>
+              <a:t>기법</a:t>
+            </a:r>
+            <a:r>
+              <a:rPr lang="en-US" altLang="ko-KR" dirty="0"/>
+              <a:t>: </a:t>
+            </a:r>
+            <a:r>
+              <a:rPr lang="ko-KR" altLang="en-US" dirty="0"/>
+              <a:t>프로세스를 언제 올릴 것인가</a:t>
+            </a:r>
+            <a:endParaRPr lang="en-US" altLang="ko-KR" dirty="0"/>
+          </a:p>
+          <a:p>
+            <a:pPr lvl="3"/>
+            <a:r>
+              <a:rPr lang="ko-KR" altLang="en-US" dirty="0"/>
+              <a:t>요구 반입 기법</a:t>
+            </a:r>
+            <a:r>
+              <a:rPr lang="en-US" altLang="ko-KR" dirty="0"/>
+              <a:t>: </a:t>
+            </a:r>
+            <a:r>
+              <a:rPr lang="ko-KR" altLang="en-US" dirty="0"/>
+              <a:t>요구할 때 올린다</a:t>
+            </a:r>
+            <a:endParaRPr lang="en-US" altLang="ko-KR" dirty="0"/>
+          </a:p>
+          <a:p>
+            <a:pPr lvl="3"/>
+            <a:r>
+              <a:rPr lang="ko-KR" altLang="en-US" dirty="0"/>
+              <a:t>예상 반입 기법</a:t>
+            </a:r>
+            <a:r>
+              <a:rPr lang="en-US" altLang="ko-KR" dirty="0"/>
+              <a:t>: </a:t>
+            </a:r>
+            <a:r>
+              <a:rPr lang="ko-KR" altLang="en-US" dirty="0"/>
+              <a:t>예측하여 올린다</a:t>
+            </a:r>
+            <a:endParaRPr lang="en-US" altLang="ko-KR" dirty="0"/>
+          </a:p>
+          <a:p>
+            <a:pPr lvl="2"/>
+            <a:r>
+              <a:rPr lang="ko-KR" altLang="en-US" dirty="0"/>
+              <a:t>배치 기법</a:t>
+            </a:r>
+            <a:r>
+              <a:rPr lang="en-US" altLang="ko-KR" dirty="0"/>
+              <a:t>: </a:t>
+            </a:r>
+            <a:r>
+              <a:rPr lang="ko-KR" altLang="en-US" dirty="0"/>
+              <a:t>프로세스를 어디에 올릴 것인가</a:t>
+            </a:r>
+            <a:endParaRPr lang="en-US" altLang="ko-KR" dirty="0"/>
+          </a:p>
+          <a:p>
+            <a:pPr lvl="3"/>
+            <a:r>
+              <a:rPr lang="ko-KR" altLang="en-US" dirty="0"/>
+              <a:t>최초 적합</a:t>
+            </a:r>
+            <a:r>
+              <a:rPr lang="en-US" altLang="ko-KR" dirty="0"/>
+              <a:t>: </a:t>
+            </a:r>
+            <a:r>
+              <a:rPr lang="ko-KR" altLang="en-US" dirty="0"/>
+              <a:t>순서대로 들어가지는 곳에 올림</a:t>
+            </a:r>
+            <a:endParaRPr lang="en-US" altLang="ko-KR" dirty="0"/>
+          </a:p>
+          <a:p>
+            <a:pPr lvl="3"/>
+            <a:r>
+              <a:rPr lang="ko-KR" altLang="en-US" dirty="0"/>
+              <a:t>최적 적합</a:t>
+            </a:r>
+            <a:r>
+              <a:rPr lang="en-US" altLang="ko-KR" dirty="0"/>
+              <a:t>: </a:t>
+            </a:r>
+            <a:r>
+              <a:rPr lang="ko-KR" altLang="en-US" dirty="0"/>
+              <a:t>공간과 프로세스 크기가 비슷한 곳에</a:t>
+            </a:r>
+            <a:endParaRPr lang="en-US" altLang="ko-KR" dirty="0"/>
+          </a:p>
+          <a:p>
+            <a:pPr lvl="3"/>
+            <a:r>
+              <a:rPr lang="ko-KR" altLang="en-US" dirty="0"/>
+              <a:t>최악 적합</a:t>
+            </a:r>
+            <a:r>
+              <a:rPr lang="en-US" altLang="ko-KR" dirty="0"/>
+              <a:t>: </a:t>
+            </a:r>
+            <a:r>
+              <a:rPr lang="ko-KR" altLang="en-US" dirty="0"/>
+              <a:t>가장 큰 공간에</a:t>
+            </a:r>
+            <a:endParaRPr lang="en-US" altLang="ko-KR" dirty="0"/>
+          </a:p>
+          <a:p>
+            <a:pPr lvl="2"/>
+            <a:r>
+              <a:rPr lang="ko-KR" altLang="en-US" dirty="0"/>
+              <a:t>할당 기법</a:t>
+            </a:r>
+            <a:r>
+              <a:rPr lang="en-US" altLang="ko-KR" dirty="0"/>
+              <a:t>: </a:t>
+            </a:r>
+            <a:r>
+              <a:rPr lang="ko-KR" altLang="en-US" dirty="0"/>
+              <a:t>프로세스를 어떻게 올릴 것인가</a:t>
+            </a:r>
+            <a:endParaRPr lang="en-US" altLang="ko-KR" dirty="0"/>
+          </a:p>
+          <a:p>
+            <a:pPr lvl="3"/>
+            <a:r>
+              <a:rPr lang="ko-KR" altLang="en-US" dirty="0"/>
+              <a:t>연속 할당</a:t>
+            </a:r>
+            <a:r>
+              <a:rPr lang="en-US" altLang="ko-KR" dirty="0"/>
+              <a:t>: </a:t>
+            </a:r>
+            <a:r>
+              <a:rPr lang="ko-KR" altLang="en-US" dirty="0"/>
+              <a:t>프로세스를 통째로 올린다</a:t>
+            </a:r>
+            <a:endParaRPr lang="en-US" altLang="ko-KR" dirty="0"/>
+          </a:p>
+          <a:p>
+            <a:pPr lvl="3"/>
+            <a:r>
+              <a:rPr lang="ko-KR" altLang="en-US" dirty="0"/>
+              <a:t>분할 할당</a:t>
+            </a:r>
+            <a:r>
+              <a:rPr lang="en-US" altLang="ko-KR" dirty="0"/>
+              <a:t>: </a:t>
+            </a:r>
+            <a:r>
+              <a:rPr lang="ko-KR" altLang="en-US" dirty="0"/>
+              <a:t>프로세스를 쪼개어 올린다</a:t>
+            </a:r>
+            <a:endParaRPr lang="en-US" altLang="ko-KR" dirty="0"/>
+          </a:p>
+          <a:p>
+            <a:pPr lvl="4"/>
+            <a:r>
+              <a:rPr lang="ko-KR" altLang="en-US" dirty="0"/>
+              <a:t>페이징 기법</a:t>
+            </a:r>
+            <a:r>
+              <a:rPr lang="en-US" altLang="ko-KR" dirty="0"/>
+              <a:t>: </a:t>
+            </a:r>
+            <a:r>
+              <a:rPr lang="ko-KR" altLang="en-US" dirty="0"/>
+              <a:t>일정한 크기의 페이지로 나눠 올린다</a:t>
+            </a:r>
+            <a:endParaRPr lang="en-US" altLang="ko-KR" dirty="0"/>
+          </a:p>
+          <a:p>
+            <a:pPr lvl="4"/>
+            <a:r>
+              <a:rPr lang="ko-KR" altLang="en-US" dirty="0"/>
+              <a:t>세그먼테이션 기법</a:t>
+            </a:r>
+            <a:r>
+              <a:rPr lang="en-US" altLang="ko-KR" dirty="0"/>
+              <a:t>: </a:t>
+            </a:r>
+            <a:r>
+              <a:rPr lang="ko-KR" altLang="en-US" dirty="0"/>
+              <a:t>다양한 크기의 </a:t>
+            </a:r>
+            <a:r>
+              <a:rPr lang="en-US" altLang="ko-KR" dirty="0"/>
+              <a:t>S</a:t>
+            </a:r>
+            <a:r>
+              <a:rPr lang="ko-KR" altLang="en-US" dirty="0"/>
+              <a:t>로 나눠 올린다</a:t>
+            </a:r>
+            <a:endParaRPr lang="en-US" altLang="ko-KR" dirty="0"/>
+          </a:p>
+          <a:p>
+            <a:pPr lvl="2"/>
+            <a:r>
+              <a:rPr lang="ko-KR" altLang="en-US" dirty="0"/>
+              <a:t>교체 기법</a:t>
+            </a:r>
+            <a:r>
+              <a:rPr lang="en-US" altLang="ko-KR" dirty="0"/>
+              <a:t>: </a:t>
+            </a:r>
+            <a:r>
+              <a:rPr lang="ko-KR" altLang="en-US" dirty="0"/>
+              <a:t>프로세스를 어떻게 제거할 것인가</a:t>
+            </a:r>
+            <a:endParaRPr lang="en-US" altLang="ko-KR" dirty="0"/>
+          </a:p>
+          <a:p>
+            <a:pPr lvl="3"/>
+            <a:r>
+              <a:rPr lang="en-US" altLang="ko-KR" dirty="0"/>
+              <a:t>FIFO (First In First Out)</a:t>
+            </a:r>
+          </a:p>
+          <a:p>
+            <a:pPr lvl="3"/>
+            <a:r>
+              <a:rPr lang="en-US" altLang="ko-KR" dirty="0"/>
+              <a:t>LRU (Least Recently Used)</a:t>
+            </a:r>
+          </a:p>
+          <a:p>
+            <a:pPr lvl="3"/>
+            <a:r>
+              <a:rPr lang="en-US" altLang="ko-KR" dirty="0"/>
+              <a:t>OPT (Optimal Replacement)</a:t>
+            </a:r>
+          </a:p>
+          <a:p>
+            <a:pPr lvl="3"/>
+            <a:r>
+              <a:rPr lang="en-US" altLang="ko-KR" dirty="0"/>
+              <a:t>NUR (Not Used Recently)</a:t>
+            </a:r>
+          </a:p>
+          <a:p>
+            <a:pPr lvl="3"/>
+            <a:r>
+              <a:rPr lang="en-US" altLang="ko-KR" dirty="0"/>
+              <a:t>SCR (Second Chance Replacement)</a:t>
+            </a:r>
+          </a:p>
+          <a:p>
+            <a:endParaRPr lang="ko-KR" altLang="en-US" dirty="0"/>
+          </a:p>
+        </p:txBody>
+      </p:sp>
+      <p:sp>
+        <p:nvSpPr>
+          <p:cNvPr id="3" name="내용 개체 틀 2">
+            <a:extLst>
+              <a:ext uri="{FF2B5EF4-FFF2-40B4-BE49-F238E27FC236}">
+                <a16:creationId xmlns:a16="http://schemas.microsoft.com/office/drawing/2014/main" id="{CFC5AB72-F5E7-43BC-A0B9-878DF5AF3A92}"/>
+              </a:ext>
+            </a:extLst>
+          </p:cNvPr>
+          <p:cNvSpPr>
+            <a:spLocks noGrp="1"/>
+          </p:cNvSpPr>
+          <p:nvPr>
+            <p:ph sz="half" idx="2"/>
+          </p:nvPr>
+        </p:nvSpPr>
+        <p:spPr/>
+        <p:txBody>
+          <a:bodyPr/>
+          <a:lstStyle/>
+          <a:p>
+            <a:r>
+              <a:rPr lang="ko-KR" altLang="en-US" dirty="0"/>
+              <a:t>메모리 단편화</a:t>
+            </a:r>
+            <a:endParaRPr lang="en-US" altLang="ko-KR" dirty="0"/>
+          </a:p>
+          <a:p>
+            <a:pPr lvl="1"/>
+            <a:r>
+              <a:rPr lang="ko-KR" altLang="en-US" dirty="0"/>
+              <a:t>내부 단편화</a:t>
+            </a:r>
+            <a:endParaRPr lang="en-US" altLang="ko-KR" dirty="0"/>
+          </a:p>
+          <a:p>
+            <a:pPr lvl="2"/>
+            <a:r>
+              <a:rPr lang="ko-KR" altLang="en-US" dirty="0"/>
+              <a:t>프로세스에 할당된 크기가 커서 빈 공간이 생김</a:t>
+            </a:r>
+            <a:endParaRPr lang="en-US" altLang="ko-KR" dirty="0"/>
+          </a:p>
+          <a:p>
+            <a:pPr lvl="3"/>
+            <a:r>
+              <a:rPr lang="ko-KR" altLang="en-US" dirty="0"/>
+              <a:t>페이징 단위 크기가 큰 경우 등</a:t>
+            </a:r>
+            <a:r>
+              <a:rPr lang="en-US" altLang="ko-KR" dirty="0"/>
+              <a:t>…</a:t>
+            </a:r>
+          </a:p>
+          <a:p>
+            <a:pPr lvl="1"/>
+            <a:r>
+              <a:rPr lang="ko-KR" altLang="en-US" dirty="0"/>
+              <a:t>외부 단편화</a:t>
+            </a:r>
+            <a:endParaRPr lang="en-US" altLang="ko-KR" dirty="0"/>
+          </a:p>
+          <a:p>
+            <a:pPr lvl="2"/>
+            <a:r>
+              <a:rPr lang="ko-KR" altLang="en-US" dirty="0"/>
+              <a:t>프로세스 사이 작은 공간이 생김</a:t>
+            </a:r>
+            <a:endParaRPr lang="en-US" altLang="ko-KR" dirty="0"/>
+          </a:p>
+          <a:p>
+            <a:pPr lvl="3"/>
+            <a:r>
+              <a:rPr lang="ko-KR" altLang="en-US" dirty="0"/>
+              <a:t>메모리에 올렸다 내렸다 반복 시</a:t>
+            </a:r>
+            <a:r>
+              <a:rPr lang="en-US" altLang="ko-KR" dirty="0"/>
+              <a:t>…</a:t>
+            </a:r>
+          </a:p>
+          <a:p>
+            <a:pPr lvl="3"/>
+            <a:endParaRPr lang="ko-KR" altLang="en-US" dirty="0"/>
+          </a:p>
+        </p:txBody>
+      </p:sp>
+      <p:sp>
+        <p:nvSpPr>
+          <p:cNvPr id="4" name="슬라이드 번호 개체 틀 3">
+            <a:extLst>
+              <a:ext uri="{FF2B5EF4-FFF2-40B4-BE49-F238E27FC236}">
+                <a16:creationId xmlns:a16="http://schemas.microsoft.com/office/drawing/2014/main" id="{E1CC184D-DA60-47E2-A9C4-8797B03D8707}"/>
+              </a:ext>
+            </a:extLst>
+          </p:cNvPr>
+          <p:cNvSpPr>
+            <a:spLocks noGrp="1"/>
+          </p:cNvSpPr>
+          <p:nvPr>
+            <p:ph type="sldNum" sz="quarter" idx="12"/>
+          </p:nvPr>
+        </p:nvSpPr>
+        <p:spPr/>
+        <p:txBody>
+          <a:bodyPr/>
+          <a:lstStyle/>
+          <a:p>
+            <a:fld id="{89BED30C-66D9-4104-96BC-081A506F0CF0}" type="slidenum">
+              <a:rPr lang="ko-KR" altLang="en-US" smtClean="0"/>
+              <a:t>11</a:t>
+            </a:fld>
+            <a:endParaRPr lang="ko-KR" altLang="en-US"/>
+          </a:p>
+        </p:txBody>
+      </p:sp>
+      <p:sp>
+        <p:nvSpPr>
+          <p:cNvPr id="5" name="바닥글 개체 틀 4">
+            <a:extLst>
+              <a:ext uri="{FF2B5EF4-FFF2-40B4-BE49-F238E27FC236}">
+                <a16:creationId xmlns:a16="http://schemas.microsoft.com/office/drawing/2014/main" id="{CAB28958-0376-41B9-8EBE-0564D6A6BDFB}"/>
+              </a:ext>
+            </a:extLst>
+          </p:cNvPr>
+          <p:cNvSpPr>
+            <a:spLocks noGrp="1"/>
+          </p:cNvSpPr>
+          <p:nvPr>
+            <p:ph type="ftr" sz="quarter" idx="3"/>
+          </p:nvPr>
+        </p:nvSpPr>
+        <p:spPr/>
+        <p:txBody>
+          <a:bodyPr/>
+          <a:lstStyle/>
+          <a:p>
+            <a:pPr algn="l"/>
+            <a:r>
+              <a:rPr lang="en-US" altLang="ko-KR"/>
+              <a:t>Nibble</a:t>
+            </a:r>
+            <a:endParaRPr lang="ko-KR" altLang="en-US" dirty="0"/>
+          </a:p>
+        </p:txBody>
+      </p:sp>
+      <p:sp>
+        <p:nvSpPr>
+          <p:cNvPr id="6" name="날짜 개체 틀 5">
+            <a:extLst>
+              <a:ext uri="{FF2B5EF4-FFF2-40B4-BE49-F238E27FC236}">
+                <a16:creationId xmlns:a16="http://schemas.microsoft.com/office/drawing/2014/main" id="{31D410FF-A81A-4DD4-9F17-FA6A82DCAC05}"/>
+              </a:ext>
+            </a:extLst>
+          </p:cNvPr>
+          <p:cNvSpPr>
+            <a:spLocks noGrp="1"/>
+          </p:cNvSpPr>
+          <p:nvPr>
+            <p:ph type="dt" sz="half" idx="13"/>
+          </p:nvPr>
+        </p:nvSpPr>
+        <p:spPr/>
+        <p:txBody>
+          <a:bodyPr/>
+          <a:lstStyle/>
+          <a:p>
+            <a:fld id="{B226B4E6-2447-4D67-A511-B13A2182F919}" type="datetime5">
+              <a:rPr lang="ko-KR" altLang="en-US" smtClean="0"/>
+              <a:t>2021/8/9</a:t>
+            </a:fld>
+            <a:endParaRPr lang="ko-KR" altLang="en-US" dirty="0"/>
+          </a:p>
+        </p:txBody>
+      </p:sp>
+    </p:spTree>
+    <p:extLst>
+      <p:ext uri="{BB962C8B-B14F-4D97-AF65-F5344CB8AC3E}">
+        <p14:creationId xmlns:p14="http://schemas.microsoft.com/office/powerpoint/2010/main" val="131666862"/>
+      </p:ext>
+    </p:extLst>
+  </p:cSld>
+  <p:clrMapOvr>
+    <a:masterClrMapping/>
+  </p:clrMapOvr>
+</p:sld>
+</file>
+
+<file path=ppt/slides/slide12.xml><?xml version="1.0" encoding="utf-8"?>
+<p:sld xmlns:a="http://schemas.openxmlformats.org/drawingml/2006/main" xmlns:r="http://schemas.openxmlformats.org/officeDocument/2006/relationships" xmlns:p="http://schemas.openxmlformats.org/presentationml/2006/main">
+  <p:cSld>
+    <p:spTree>
+      <p:nvGrpSpPr>
+        <p:cNvPr id="1" name=""/>
+        <p:cNvGrpSpPr/>
+        <p:nvPr/>
+      </p:nvGrpSpPr>
+      <p:grpSpPr>
+        <a:xfrm>
+          <a:off x="0" y="0"/>
+          <a:ext cx="0" cy="0"/>
+          <a:chOff x="0" y="0"/>
+          <a:chExt cx="0" cy="0"/>
+        </a:xfrm>
+      </p:grpSpPr>
+      <p:sp>
+        <p:nvSpPr>
+          <p:cNvPr id="2" name="내용 개체 틀 1">
+            <a:extLst>
+              <a:ext uri="{FF2B5EF4-FFF2-40B4-BE49-F238E27FC236}">
+                <a16:creationId xmlns:a16="http://schemas.microsoft.com/office/drawing/2014/main" id="{4F9F6CA8-DF98-454B-B34E-FF4F85089AC1}"/>
+              </a:ext>
+            </a:extLst>
+          </p:cNvPr>
+          <p:cNvSpPr>
+            <a:spLocks noGrp="1"/>
+          </p:cNvSpPr>
+          <p:nvPr>
+            <p:ph sz="half" idx="14"/>
+          </p:nvPr>
+        </p:nvSpPr>
+        <p:spPr/>
+        <p:txBody>
+          <a:bodyPr/>
+          <a:lstStyle/>
+          <a:p>
+            <a:r>
+              <a:rPr lang="en-US" altLang="ko-KR" dirty="0"/>
+              <a:t>Process </a:t>
+            </a:r>
+            <a:r>
+              <a:rPr lang="ko-KR" altLang="en-US" dirty="0"/>
+              <a:t>관리</a:t>
+            </a:r>
+            <a:endParaRPr lang="en-US" altLang="ko-KR" dirty="0"/>
+          </a:p>
+          <a:p>
+            <a:pPr lvl="1"/>
+            <a:r>
+              <a:rPr lang="en-US" altLang="ko-KR" dirty="0"/>
+              <a:t>Process: </a:t>
+            </a:r>
+            <a:r>
+              <a:rPr lang="ko-KR" altLang="en-US" dirty="0"/>
+              <a:t>실행중인 프로그램</a:t>
+            </a:r>
+            <a:endParaRPr lang="en-US" altLang="ko-KR" dirty="0"/>
+          </a:p>
+          <a:p>
+            <a:pPr lvl="1"/>
+            <a:r>
+              <a:rPr lang="ko-KR" altLang="en-US" dirty="0"/>
+              <a:t>스케줄링 유형</a:t>
+            </a:r>
+            <a:endParaRPr lang="en-US" altLang="ko-KR" dirty="0"/>
+          </a:p>
+          <a:p>
+            <a:pPr lvl="2"/>
+            <a:r>
+              <a:rPr lang="ko-KR" altLang="en-US" dirty="0"/>
+              <a:t>선점형</a:t>
+            </a:r>
+            <a:r>
+              <a:rPr lang="en-US" altLang="ko-KR" dirty="0"/>
+              <a:t>: </a:t>
+            </a:r>
+            <a:r>
+              <a:rPr lang="ko-KR" altLang="en-US" dirty="0"/>
+              <a:t>우선 순위 높은 프로세스가 </a:t>
+            </a:r>
+            <a:r>
+              <a:rPr lang="en-US" altLang="ko-KR" dirty="0"/>
+              <a:t>CPU </a:t>
+            </a:r>
+            <a:r>
+              <a:rPr lang="ko-KR" altLang="en-US" dirty="0"/>
+              <a:t>강탈</a:t>
+            </a:r>
+            <a:endParaRPr lang="en-US" altLang="ko-KR" dirty="0"/>
+          </a:p>
+          <a:p>
+            <a:pPr lvl="2"/>
+            <a:r>
+              <a:rPr lang="ko-KR" altLang="en-US" dirty="0"/>
+              <a:t>비 선점형</a:t>
+            </a:r>
+            <a:r>
+              <a:rPr lang="en-US" altLang="ko-KR" dirty="0"/>
+              <a:t>: </a:t>
+            </a:r>
+            <a:r>
+              <a:rPr lang="ko-KR" altLang="en-US" dirty="0"/>
+              <a:t>한번 </a:t>
+            </a:r>
+            <a:r>
+              <a:rPr lang="en-US" altLang="ko-KR" dirty="0"/>
+              <a:t>CPU </a:t>
+            </a:r>
+            <a:r>
+              <a:rPr lang="ko-KR" altLang="en-US" dirty="0"/>
+              <a:t>잡으면 죽을 때 까지 사용</a:t>
+            </a:r>
+            <a:endParaRPr lang="en-US" altLang="ko-KR" dirty="0"/>
+          </a:p>
+          <a:p>
+            <a:pPr lvl="1"/>
+            <a:r>
+              <a:rPr lang="ko-KR" altLang="en-US" dirty="0"/>
+              <a:t>알고리즘</a:t>
+            </a:r>
+            <a:endParaRPr lang="en-US" altLang="ko-KR" dirty="0"/>
+          </a:p>
+          <a:p>
+            <a:pPr lvl="2"/>
+            <a:r>
+              <a:rPr lang="ko-KR" altLang="en-US" dirty="0"/>
+              <a:t>선점형</a:t>
+            </a:r>
+            <a:endParaRPr lang="en-US" altLang="ko-KR" dirty="0"/>
+          </a:p>
+          <a:p>
+            <a:pPr lvl="3"/>
+            <a:r>
+              <a:rPr lang="en-US" altLang="ko-KR" dirty="0"/>
+              <a:t>Round Robin</a:t>
+            </a:r>
+          </a:p>
+          <a:p>
+            <a:pPr lvl="4"/>
+            <a:r>
+              <a:rPr lang="ko-KR" altLang="en-US" dirty="0"/>
+              <a:t>일정하게 주어지는 시간 씩 </a:t>
+            </a:r>
+            <a:r>
+              <a:rPr lang="en-US" altLang="ko-KR" dirty="0"/>
+              <a:t>CPU </a:t>
+            </a:r>
+            <a:r>
+              <a:rPr lang="ko-KR" altLang="en-US" dirty="0"/>
+              <a:t>사용</a:t>
+            </a:r>
+            <a:endParaRPr lang="en-US" altLang="ko-KR" dirty="0"/>
+          </a:p>
+          <a:p>
+            <a:pPr lvl="3"/>
+            <a:r>
+              <a:rPr lang="en-US" altLang="ko-KR" dirty="0"/>
+              <a:t>SRT (Shortest Remaining Time First)</a:t>
+            </a:r>
+          </a:p>
+          <a:p>
+            <a:pPr lvl="4"/>
+            <a:r>
+              <a:rPr lang="ko-KR" altLang="en-US" dirty="0"/>
+              <a:t>가장 짧게 </a:t>
+            </a:r>
+            <a:r>
+              <a:rPr lang="en-US" altLang="ko-KR" dirty="0"/>
+              <a:t>CPU </a:t>
+            </a:r>
+            <a:r>
+              <a:rPr lang="ko-KR" altLang="en-US" dirty="0"/>
+              <a:t>사용하는 프로세스가 선점해 사용</a:t>
+            </a:r>
+            <a:endParaRPr lang="en-US" altLang="ko-KR" dirty="0"/>
+          </a:p>
+          <a:p>
+            <a:pPr lvl="2"/>
+            <a:r>
+              <a:rPr lang="ko-KR" altLang="en-US" dirty="0"/>
+              <a:t>비 선점형</a:t>
+            </a:r>
+            <a:endParaRPr lang="en-US" altLang="ko-KR" dirty="0"/>
+          </a:p>
+          <a:p>
+            <a:pPr lvl="3"/>
+            <a:r>
+              <a:rPr lang="en-US" altLang="ko-KR" dirty="0"/>
+              <a:t>Priority</a:t>
+            </a:r>
+          </a:p>
+          <a:p>
+            <a:pPr lvl="4"/>
+            <a:r>
+              <a:rPr lang="ko-KR" altLang="en-US" dirty="0"/>
+              <a:t>우선순위에 따라 </a:t>
+            </a:r>
+            <a:r>
+              <a:rPr lang="en-US" altLang="ko-KR" dirty="0"/>
+              <a:t>CPU </a:t>
+            </a:r>
+            <a:r>
+              <a:rPr lang="ko-KR" altLang="en-US" dirty="0"/>
+              <a:t>사용</a:t>
+            </a:r>
+            <a:endParaRPr lang="en-US" altLang="ko-KR" dirty="0"/>
+          </a:p>
+          <a:p>
+            <a:pPr lvl="3"/>
+            <a:r>
+              <a:rPr lang="en-US" altLang="ko-KR" dirty="0"/>
+              <a:t>Deadline</a:t>
+            </a:r>
+          </a:p>
+          <a:p>
+            <a:pPr lvl="4"/>
+            <a:r>
+              <a:rPr lang="ko-KR" altLang="en-US" dirty="0"/>
+              <a:t>작업이 명시된 시간에 끝나게 계획</a:t>
+            </a:r>
+            <a:r>
+              <a:rPr lang="en-US" altLang="ko-KR" dirty="0"/>
+              <a:t>, CPU </a:t>
+            </a:r>
+            <a:r>
+              <a:rPr lang="ko-KR" altLang="en-US" dirty="0"/>
+              <a:t>사용</a:t>
+            </a:r>
+            <a:endParaRPr lang="en-US" altLang="ko-KR" dirty="0"/>
+          </a:p>
+          <a:p>
+            <a:pPr lvl="3"/>
+            <a:r>
+              <a:rPr lang="en-US" altLang="ko-KR" dirty="0"/>
+              <a:t>FCFS (First Come First Service)</a:t>
+            </a:r>
+          </a:p>
+          <a:p>
+            <a:pPr lvl="4"/>
+            <a:r>
+              <a:rPr lang="ko-KR" altLang="en-US" dirty="0"/>
+              <a:t>먼저 온 프로세스를 끝날 때 까지 실행</a:t>
+            </a:r>
+            <a:endParaRPr lang="en-US" altLang="ko-KR" dirty="0"/>
+          </a:p>
+          <a:p>
+            <a:pPr lvl="3"/>
+            <a:r>
+              <a:rPr lang="en-US" altLang="ko-KR" dirty="0"/>
+              <a:t>SJF (Shortest Job First)</a:t>
+            </a:r>
+          </a:p>
+          <a:p>
+            <a:pPr lvl="4"/>
+            <a:r>
+              <a:rPr lang="ko-KR" altLang="en-US" dirty="0"/>
+              <a:t>가장 짧은 일 먼저 실행</a:t>
+            </a:r>
+            <a:endParaRPr lang="en-US" altLang="ko-KR" dirty="0"/>
+          </a:p>
+          <a:p>
+            <a:pPr lvl="3"/>
+            <a:r>
+              <a:rPr lang="en-US" altLang="ko-KR" dirty="0"/>
+              <a:t>HRN (Highest Response Ratio Next)</a:t>
+            </a:r>
+          </a:p>
+          <a:p>
+            <a:pPr lvl="4"/>
+            <a:r>
+              <a:rPr lang="en-US" altLang="ko-KR" dirty="0"/>
+              <a:t>(</a:t>
+            </a:r>
+            <a:r>
+              <a:rPr lang="ko-KR" altLang="en-US" dirty="0"/>
+              <a:t>대기 시간 </a:t>
+            </a:r>
+            <a:r>
+              <a:rPr lang="en-US" altLang="ko-KR" dirty="0"/>
+              <a:t>+ </a:t>
+            </a:r>
+            <a:r>
+              <a:rPr lang="ko-KR" altLang="en-US" dirty="0"/>
+              <a:t>서비스 시간</a:t>
+            </a:r>
+            <a:r>
+              <a:rPr lang="en-US" altLang="ko-KR" dirty="0"/>
+              <a:t>) / </a:t>
+            </a:r>
+            <a:r>
+              <a:rPr lang="ko-KR" altLang="en-US" dirty="0"/>
+              <a:t>서비스 시간 큰 순으로</a:t>
+            </a:r>
+            <a:endParaRPr lang="en-US" altLang="ko-KR" dirty="0"/>
+          </a:p>
+          <a:p>
+            <a:pPr lvl="2"/>
+            <a:endParaRPr lang="ko-KR" altLang="en-US" dirty="0"/>
+          </a:p>
+        </p:txBody>
+      </p:sp>
+      <p:sp>
+        <p:nvSpPr>
+          <p:cNvPr id="3" name="내용 개체 틀 2">
+            <a:extLst>
+              <a:ext uri="{FF2B5EF4-FFF2-40B4-BE49-F238E27FC236}">
+                <a16:creationId xmlns:a16="http://schemas.microsoft.com/office/drawing/2014/main" id="{848CCD3A-2EFF-4A69-819C-6C257AABEF51}"/>
+              </a:ext>
+            </a:extLst>
+          </p:cNvPr>
+          <p:cNvSpPr>
+            <a:spLocks noGrp="1"/>
+          </p:cNvSpPr>
+          <p:nvPr>
+            <p:ph sz="half" idx="2"/>
+          </p:nvPr>
+        </p:nvSpPr>
+        <p:spPr/>
+        <p:txBody>
+          <a:bodyPr/>
+          <a:lstStyle/>
+          <a:p>
+            <a:r>
+              <a:rPr lang="en-US" altLang="ko-KR" dirty="0"/>
+              <a:t>Process Dead Lock</a:t>
+            </a:r>
+          </a:p>
+          <a:p>
+            <a:pPr lvl="1"/>
+            <a:r>
+              <a:rPr lang="ko-KR" altLang="en-US" dirty="0"/>
+              <a:t>발생 조건</a:t>
+            </a:r>
+            <a:endParaRPr lang="en-US" altLang="ko-KR" dirty="0"/>
+          </a:p>
+          <a:p>
+            <a:pPr lvl="2"/>
+            <a:r>
+              <a:rPr lang="ko-KR" altLang="en-US" dirty="0"/>
+              <a:t>상호 배제</a:t>
+            </a:r>
+            <a:r>
+              <a:rPr lang="en-US" altLang="ko-KR" dirty="0"/>
+              <a:t>: </a:t>
+            </a:r>
+            <a:r>
+              <a:rPr lang="ko-KR" altLang="en-US" dirty="0"/>
+              <a:t>프로세스가 쓰고 있어 </a:t>
+            </a:r>
+            <a:r>
+              <a:rPr lang="ko-KR" altLang="en-US" dirty="0" err="1"/>
+              <a:t>다른게</a:t>
+            </a:r>
+            <a:r>
+              <a:rPr lang="ko-KR" altLang="en-US" dirty="0"/>
+              <a:t> 못 쓴다</a:t>
+            </a:r>
+            <a:endParaRPr lang="en-US" altLang="ko-KR" dirty="0"/>
+          </a:p>
+          <a:p>
+            <a:pPr lvl="2"/>
+            <a:r>
+              <a:rPr lang="ko-KR" altLang="en-US" dirty="0"/>
+              <a:t>점유와 대기</a:t>
+            </a:r>
+            <a:r>
+              <a:rPr lang="en-US" altLang="ko-KR" dirty="0"/>
+              <a:t>: </a:t>
+            </a:r>
+            <a:r>
+              <a:rPr lang="ko-KR" altLang="en-US" dirty="0"/>
+              <a:t>프로세스가 쓰면서 다른 프로세스 실행</a:t>
+            </a:r>
+            <a:endParaRPr lang="en-US" altLang="ko-KR" dirty="0"/>
+          </a:p>
+          <a:p>
+            <a:pPr lvl="2"/>
+            <a:r>
+              <a:rPr lang="ko-KR" altLang="en-US" dirty="0" err="1"/>
+              <a:t>비선점</a:t>
+            </a:r>
+            <a:r>
+              <a:rPr lang="en-US" altLang="ko-KR" dirty="0"/>
+              <a:t>: </a:t>
+            </a:r>
+            <a:r>
+              <a:rPr lang="ko-KR" altLang="en-US" dirty="0"/>
+              <a:t>프로세스가 </a:t>
+            </a:r>
+            <a:r>
+              <a:rPr lang="en-US" altLang="ko-KR" dirty="0"/>
+              <a:t>CPU </a:t>
+            </a:r>
+            <a:r>
+              <a:rPr lang="ko-KR" altLang="en-US" dirty="0"/>
+              <a:t>잡고 안 놓아 줌</a:t>
+            </a:r>
+            <a:endParaRPr lang="en-US" altLang="ko-KR" dirty="0"/>
+          </a:p>
+          <a:p>
+            <a:pPr lvl="2"/>
+            <a:r>
+              <a:rPr lang="ko-KR" altLang="en-US" dirty="0"/>
+              <a:t>환형 대기</a:t>
+            </a:r>
+            <a:r>
+              <a:rPr lang="en-US" altLang="ko-KR" dirty="0"/>
+              <a:t>: </a:t>
+            </a:r>
+            <a:r>
+              <a:rPr lang="ko-KR" altLang="en-US" dirty="0"/>
+              <a:t>점유와 대기가 순환</a:t>
+            </a:r>
+            <a:endParaRPr lang="en-US" altLang="ko-KR" dirty="0"/>
+          </a:p>
+          <a:p>
+            <a:pPr lvl="1"/>
+            <a:r>
+              <a:rPr lang="ko-KR" altLang="en-US" dirty="0"/>
+              <a:t>해결 방법</a:t>
+            </a:r>
+            <a:endParaRPr lang="en-US" altLang="ko-KR" dirty="0"/>
+          </a:p>
+          <a:p>
+            <a:pPr lvl="2"/>
+            <a:r>
+              <a:rPr lang="ko-KR" altLang="en-US" dirty="0"/>
+              <a:t>예방</a:t>
+            </a:r>
+            <a:r>
+              <a:rPr lang="en-US" altLang="ko-KR" dirty="0"/>
+              <a:t>: </a:t>
+            </a:r>
+            <a:r>
+              <a:rPr lang="ko-KR" altLang="en-US" dirty="0"/>
+              <a:t>안 일어나게 설계</a:t>
+            </a:r>
+            <a:endParaRPr lang="en-US" altLang="ko-KR" dirty="0"/>
+          </a:p>
+          <a:p>
+            <a:pPr lvl="2"/>
+            <a:r>
+              <a:rPr lang="ko-KR" altLang="en-US" dirty="0"/>
+              <a:t>회피</a:t>
+            </a:r>
+            <a:r>
+              <a:rPr lang="en-US" altLang="ko-KR" dirty="0"/>
+              <a:t>: </a:t>
+            </a:r>
+            <a:r>
+              <a:rPr lang="ko-KR" altLang="en-US" dirty="0"/>
+              <a:t>안전한 요구만 수락</a:t>
+            </a:r>
+            <a:endParaRPr lang="en-US" altLang="ko-KR" dirty="0"/>
+          </a:p>
+          <a:p>
+            <a:pPr lvl="2"/>
+            <a:r>
+              <a:rPr lang="ko-KR" altLang="en-US" dirty="0"/>
+              <a:t>발견</a:t>
+            </a:r>
+            <a:r>
+              <a:rPr lang="en-US" altLang="ko-KR" dirty="0"/>
+              <a:t>: </a:t>
+            </a:r>
+            <a:r>
+              <a:rPr lang="ko-KR" altLang="en-US" dirty="0"/>
+              <a:t>감시 알고리즘으로 교착 발견</a:t>
+            </a:r>
+            <a:endParaRPr lang="en-US" altLang="ko-KR" dirty="0"/>
+          </a:p>
+          <a:p>
+            <a:pPr lvl="2"/>
+            <a:r>
+              <a:rPr lang="ko-KR" altLang="en-US" dirty="0"/>
+              <a:t>복구</a:t>
+            </a:r>
+            <a:r>
+              <a:rPr lang="en-US" altLang="ko-KR" dirty="0"/>
+              <a:t>: </a:t>
+            </a:r>
+            <a:r>
+              <a:rPr lang="ko-KR" altLang="en-US" dirty="0"/>
+              <a:t>없어질 때 까지 </a:t>
+            </a:r>
+            <a:r>
+              <a:rPr lang="en-US" altLang="ko-KR" dirty="0"/>
+              <a:t>Process </a:t>
+            </a:r>
+            <a:r>
+              <a:rPr lang="ko-KR" altLang="en-US" dirty="0"/>
+              <a:t>제거</a:t>
+            </a:r>
+          </a:p>
+        </p:txBody>
+      </p:sp>
+      <p:sp>
+        <p:nvSpPr>
+          <p:cNvPr id="4" name="슬라이드 번호 개체 틀 3">
+            <a:extLst>
+              <a:ext uri="{FF2B5EF4-FFF2-40B4-BE49-F238E27FC236}">
+                <a16:creationId xmlns:a16="http://schemas.microsoft.com/office/drawing/2014/main" id="{F18E28AB-0299-4EF7-8D5B-63BD0B0AF400}"/>
+              </a:ext>
+            </a:extLst>
+          </p:cNvPr>
+          <p:cNvSpPr>
+            <a:spLocks noGrp="1"/>
+          </p:cNvSpPr>
+          <p:nvPr>
+            <p:ph type="sldNum" sz="quarter" idx="12"/>
+          </p:nvPr>
+        </p:nvSpPr>
+        <p:spPr/>
+        <p:txBody>
+          <a:bodyPr/>
+          <a:lstStyle/>
+          <a:p>
+            <a:fld id="{89BED30C-66D9-4104-96BC-081A506F0CF0}" type="slidenum">
+              <a:rPr lang="ko-KR" altLang="en-US" smtClean="0"/>
+              <a:t>12</a:t>
+            </a:fld>
+            <a:endParaRPr lang="ko-KR" altLang="en-US"/>
+          </a:p>
+        </p:txBody>
+      </p:sp>
+      <p:sp>
+        <p:nvSpPr>
+          <p:cNvPr id="5" name="바닥글 개체 틀 4">
+            <a:extLst>
+              <a:ext uri="{FF2B5EF4-FFF2-40B4-BE49-F238E27FC236}">
+                <a16:creationId xmlns:a16="http://schemas.microsoft.com/office/drawing/2014/main" id="{4E86476A-5A11-4178-9403-0CFEFFFCE12F}"/>
+              </a:ext>
+            </a:extLst>
+          </p:cNvPr>
+          <p:cNvSpPr>
+            <a:spLocks noGrp="1"/>
+          </p:cNvSpPr>
+          <p:nvPr>
+            <p:ph type="ftr" sz="quarter" idx="3"/>
+          </p:nvPr>
+        </p:nvSpPr>
+        <p:spPr/>
+        <p:txBody>
+          <a:bodyPr/>
+          <a:lstStyle/>
+          <a:p>
+            <a:pPr algn="l"/>
+            <a:r>
+              <a:rPr lang="en-US" altLang="ko-KR"/>
+              <a:t>Nibble</a:t>
+            </a:r>
+            <a:endParaRPr lang="ko-KR" altLang="en-US" dirty="0"/>
+          </a:p>
+        </p:txBody>
+      </p:sp>
+      <p:sp>
+        <p:nvSpPr>
+          <p:cNvPr id="6" name="날짜 개체 틀 5">
+            <a:extLst>
+              <a:ext uri="{FF2B5EF4-FFF2-40B4-BE49-F238E27FC236}">
+                <a16:creationId xmlns:a16="http://schemas.microsoft.com/office/drawing/2014/main" id="{681E11C2-1623-4526-B7C7-F4A29BE00F86}"/>
+              </a:ext>
+            </a:extLst>
+          </p:cNvPr>
+          <p:cNvSpPr>
+            <a:spLocks noGrp="1"/>
+          </p:cNvSpPr>
+          <p:nvPr>
+            <p:ph type="dt" sz="half" idx="13"/>
+          </p:nvPr>
+        </p:nvSpPr>
+        <p:spPr/>
+        <p:txBody>
+          <a:bodyPr/>
+          <a:lstStyle/>
+          <a:p>
+            <a:fld id="{B226B4E6-2447-4D67-A511-B13A2182F919}" type="datetime5">
+              <a:rPr lang="ko-KR" altLang="en-US" smtClean="0"/>
+              <a:t>2021/8/9</a:t>
+            </a:fld>
+            <a:endParaRPr lang="ko-KR" altLang="en-US" dirty="0"/>
+          </a:p>
+        </p:txBody>
+      </p:sp>
+    </p:spTree>
+    <p:extLst>
+      <p:ext uri="{BB962C8B-B14F-4D97-AF65-F5344CB8AC3E}">
+        <p14:creationId xmlns:p14="http://schemas.microsoft.com/office/powerpoint/2010/main" val="1498851408"/>
+      </p:ext>
+    </p:extLst>
+  </p:cSld>
+  <p:clrMapOvr>
+    <a:masterClrMapping/>
+  </p:clrMapOvr>
+</p:sld>
+</file>
+
+<file path=ppt/slides/slide13.xml><?xml version="1.0" encoding="utf-8"?>
+<p:sld xmlns:a="http://schemas.openxmlformats.org/drawingml/2006/main" xmlns:r="http://schemas.openxmlformats.org/officeDocument/2006/relationships" xmlns:p="http://schemas.openxmlformats.org/presentationml/2006/main">
+  <p:cSld>
+    <p:spTree>
+      <p:nvGrpSpPr>
+        <p:cNvPr id="1" name=""/>
+        <p:cNvGrpSpPr/>
+        <p:nvPr/>
+      </p:nvGrpSpPr>
+      <p:grpSpPr>
+        <a:xfrm>
+          <a:off x="0" y="0"/>
+          <a:ext cx="0" cy="0"/>
+          <a:chOff x="0" y="0"/>
+          <a:chExt cx="0" cy="0"/>
+        </a:xfrm>
+      </p:grpSpPr>
+      <p:sp>
+        <p:nvSpPr>
+          <p:cNvPr id="9" name="내용 개체 틀 8">
+            <a:extLst>
+              <a:ext uri="{FF2B5EF4-FFF2-40B4-BE49-F238E27FC236}">
+                <a16:creationId xmlns:a16="http://schemas.microsoft.com/office/drawing/2014/main" id="{0AD55B15-BBD7-463B-B028-C6EF0425E430}"/>
+              </a:ext>
+            </a:extLst>
+          </p:cNvPr>
+          <p:cNvSpPr>
+            <a:spLocks noGrp="1"/>
+          </p:cNvSpPr>
+          <p:nvPr>
+            <p:ph sz="half" idx="14"/>
+          </p:nvPr>
+        </p:nvSpPr>
+        <p:spPr/>
+        <p:txBody>
+          <a:bodyPr/>
+          <a:lstStyle/>
+          <a:p>
+            <a:r>
+              <a:rPr lang="ko-KR" altLang="en-US" dirty="0"/>
+              <a:t>인터넷</a:t>
+            </a:r>
+            <a:endParaRPr lang="en-US" altLang="ko-KR" dirty="0"/>
+          </a:p>
+          <a:p>
+            <a:pPr lvl="1"/>
+            <a:r>
+              <a:rPr lang="ko-KR" altLang="en-US" dirty="0"/>
+              <a:t>구성</a:t>
+            </a:r>
+            <a:endParaRPr lang="en-US" altLang="ko-KR" dirty="0"/>
+          </a:p>
+          <a:p>
+            <a:pPr lvl="2"/>
+            <a:r>
+              <a:rPr lang="ko-KR" altLang="en-US" dirty="0"/>
+              <a:t>종단 시스템</a:t>
+            </a:r>
+            <a:r>
+              <a:rPr lang="en-US" altLang="ko-KR" dirty="0"/>
+              <a:t>: </a:t>
+            </a:r>
+            <a:r>
+              <a:rPr lang="ko-KR" altLang="en-US" dirty="0"/>
+              <a:t>호스트</a:t>
+            </a:r>
+            <a:r>
+              <a:rPr lang="en-US" altLang="ko-KR" dirty="0"/>
+              <a:t>, </a:t>
+            </a:r>
+            <a:r>
+              <a:rPr lang="ko-KR" altLang="en-US" dirty="0"/>
+              <a:t>서버</a:t>
+            </a:r>
+            <a:r>
+              <a:rPr lang="en-US" altLang="ko-KR" dirty="0"/>
+              <a:t>, </a:t>
+            </a:r>
+            <a:r>
+              <a:rPr lang="ko-KR" altLang="en-US" dirty="0"/>
+              <a:t>클라이언트</a:t>
+            </a:r>
+            <a:endParaRPr lang="en-US" altLang="ko-KR" dirty="0"/>
+          </a:p>
+          <a:p>
+            <a:pPr lvl="3"/>
+            <a:r>
+              <a:rPr lang="ko-KR" altLang="en-US" dirty="0"/>
+              <a:t>네트워크를 사용하는 시스템들</a:t>
+            </a:r>
+            <a:endParaRPr lang="en-US" altLang="ko-KR" dirty="0"/>
+          </a:p>
+          <a:p>
+            <a:pPr lvl="2"/>
+            <a:r>
+              <a:rPr lang="ko-KR" altLang="en-US" dirty="0"/>
+              <a:t>통신망</a:t>
+            </a:r>
+            <a:r>
+              <a:rPr lang="en-US" altLang="ko-KR" dirty="0"/>
+              <a:t>: LAN, WAN</a:t>
+            </a:r>
+          </a:p>
+          <a:p>
+            <a:pPr lvl="3"/>
+            <a:r>
+              <a:rPr lang="ko-KR" altLang="en-US" dirty="0"/>
+              <a:t>지역을 연결하는 네트워크</a:t>
+            </a:r>
+            <a:endParaRPr lang="en-US" altLang="ko-KR" dirty="0"/>
+          </a:p>
+          <a:p>
+            <a:pPr lvl="2"/>
+            <a:r>
+              <a:rPr lang="ko-KR" altLang="en-US" dirty="0"/>
+              <a:t>프로토콜</a:t>
+            </a:r>
+            <a:r>
+              <a:rPr lang="en-US" altLang="ko-KR" dirty="0"/>
+              <a:t>: IP, TCP, UDP</a:t>
+            </a:r>
+          </a:p>
+          <a:p>
+            <a:pPr lvl="3"/>
+            <a:r>
+              <a:rPr lang="ko-KR" altLang="en-US" dirty="0"/>
+              <a:t>데이터 교환에 사용되는 규칙</a:t>
+            </a:r>
+            <a:endParaRPr lang="en-US" altLang="ko-KR" dirty="0"/>
+          </a:p>
+          <a:p>
+            <a:pPr lvl="2"/>
+            <a:r>
+              <a:rPr lang="ko-KR" altLang="en-US" dirty="0"/>
+              <a:t>주소체계</a:t>
+            </a:r>
+            <a:r>
+              <a:rPr lang="en-US" altLang="ko-KR" dirty="0"/>
+              <a:t>: IP,</a:t>
+            </a:r>
+            <a:r>
+              <a:rPr lang="ko-KR" altLang="en-US" dirty="0"/>
+              <a:t> </a:t>
+            </a:r>
+            <a:r>
+              <a:rPr lang="en-US" altLang="ko-KR" dirty="0"/>
+              <a:t>DNS</a:t>
+            </a:r>
+          </a:p>
+          <a:p>
+            <a:pPr lvl="3"/>
+            <a:r>
+              <a:rPr lang="en-US" altLang="ko-KR" dirty="0"/>
+              <a:t>IP:</a:t>
+            </a:r>
+            <a:r>
+              <a:rPr lang="ko-KR" altLang="en-US" dirty="0"/>
+              <a:t> </a:t>
+            </a:r>
+            <a:r>
+              <a:rPr lang="en-US" altLang="ko-KR" dirty="0"/>
+              <a:t>32Bit</a:t>
+            </a:r>
+            <a:r>
+              <a:rPr lang="ko-KR" altLang="en-US" dirty="0"/>
+              <a:t>의 주소 할당</a:t>
+            </a:r>
+            <a:endParaRPr lang="en-US" altLang="ko-KR" dirty="0"/>
+          </a:p>
+          <a:p>
+            <a:pPr lvl="3"/>
+            <a:r>
+              <a:rPr lang="en-US" altLang="ko-KR" dirty="0"/>
+              <a:t>DNS: </a:t>
+            </a:r>
+            <a:r>
+              <a:rPr lang="ko-KR" altLang="en-US" dirty="0"/>
+              <a:t>이름과 </a:t>
+            </a:r>
+            <a:r>
+              <a:rPr lang="en-US" altLang="ko-KR" dirty="0"/>
+              <a:t>IP</a:t>
+            </a:r>
+            <a:r>
+              <a:rPr lang="ko-KR" altLang="en-US" dirty="0"/>
+              <a:t>간 전환을 해준다</a:t>
+            </a:r>
+            <a:endParaRPr lang="en-US" altLang="ko-KR" dirty="0"/>
+          </a:p>
+          <a:p>
+            <a:pPr lvl="2"/>
+            <a:r>
+              <a:rPr lang="ko-KR" altLang="en-US" dirty="0"/>
+              <a:t>접속 제공</a:t>
+            </a:r>
+            <a:r>
+              <a:rPr lang="en-US" altLang="ko-KR" dirty="0"/>
+              <a:t>: ISP, URL, </a:t>
+            </a:r>
+            <a:r>
+              <a:rPr lang="ko-KR" altLang="en-US" dirty="0"/>
+              <a:t>브라우저</a:t>
+            </a:r>
+            <a:endParaRPr lang="en-US" altLang="ko-KR" dirty="0"/>
+          </a:p>
+          <a:p>
+            <a:pPr lvl="3"/>
+            <a:r>
+              <a:rPr lang="en-US" altLang="ko-KR" dirty="0"/>
+              <a:t>ISP: </a:t>
+            </a:r>
+            <a:r>
+              <a:rPr lang="ko-KR" altLang="en-US" dirty="0"/>
+              <a:t>인터넷 제공</a:t>
+            </a:r>
+            <a:endParaRPr lang="en-US" altLang="ko-KR" dirty="0"/>
+          </a:p>
+        </p:txBody>
+      </p:sp>
+      <p:sp>
+        <p:nvSpPr>
+          <p:cNvPr id="7" name="제목 6">
+            <a:extLst>
+              <a:ext uri="{FF2B5EF4-FFF2-40B4-BE49-F238E27FC236}">
+                <a16:creationId xmlns:a16="http://schemas.microsoft.com/office/drawing/2014/main" id="{82C91B32-349E-4788-8CD2-620C84627B47}"/>
+              </a:ext>
+            </a:extLst>
+          </p:cNvPr>
+          <p:cNvSpPr>
+            <a:spLocks noGrp="1"/>
+          </p:cNvSpPr>
+          <p:nvPr>
+            <p:ph type="title"/>
+          </p:nvPr>
+        </p:nvSpPr>
+        <p:spPr/>
+        <p:txBody>
+          <a:bodyPr/>
+          <a:lstStyle/>
+          <a:p>
+            <a:r>
+              <a:rPr lang="ko-KR" altLang="en-US" dirty="0"/>
+              <a:t>인터넷</a:t>
+            </a:r>
+          </a:p>
+        </p:txBody>
+      </p:sp>
+      <p:sp>
+        <p:nvSpPr>
+          <p:cNvPr id="8" name="내용 개체 틀 7">
+            <a:extLst>
+              <a:ext uri="{FF2B5EF4-FFF2-40B4-BE49-F238E27FC236}">
+                <a16:creationId xmlns:a16="http://schemas.microsoft.com/office/drawing/2014/main" id="{C4EBCD86-019D-44C9-95DD-1E57A90122CF}"/>
+              </a:ext>
+            </a:extLst>
+          </p:cNvPr>
+          <p:cNvSpPr>
+            <a:spLocks noGrp="1"/>
+          </p:cNvSpPr>
+          <p:nvPr>
+            <p:ph sz="half" idx="2"/>
+          </p:nvPr>
+        </p:nvSpPr>
+        <p:spPr/>
+        <p:txBody>
+          <a:bodyPr/>
+          <a:lstStyle/>
+          <a:p>
+            <a:endParaRPr lang="ko-KR" altLang="en-US"/>
+          </a:p>
+        </p:txBody>
+      </p:sp>
+      <p:sp>
+        <p:nvSpPr>
+          <p:cNvPr id="4" name="슬라이드 번호 개체 틀 3">
+            <a:extLst>
+              <a:ext uri="{FF2B5EF4-FFF2-40B4-BE49-F238E27FC236}">
+                <a16:creationId xmlns:a16="http://schemas.microsoft.com/office/drawing/2014/main" id="{19C8B334-9D3F-48CE-8BBE-A4555F0DB991}"/>
+              </a:ext>
+            </a:extLst>
+          </p:cNvPr>
+          <p:cNvSpPr>
+            <a:spLocks noGrp="1"/>
+          </p:cNvSpPr>
+          <p:nvPr>
+            <p:ph type="sldNum" sz="quarter" idx="12"/>
+          </p:nvPr>
+        </p:nvSpPr>
+        <p:spPr/>
+        <p:txBody>
+          <a:bodyPr/>
+          <a:lstStyle/>
+          <a:p>
+            <a:fld id="{89BED30C-66D9-4104-96BC-081A506F0CF0}" type="slidenum">
+              <a:rPr lang="ko-KR" altLang="en-US" smtClean="0"/>
+              <a:t>13</a:t>
+            </a:fld>
+            <a:endParaRPr lang="ko-KR" altLang="en-US"/>
+          </a:p>
+        </p:txBody>
+      </p:sp>
+      <p:sp>
+        <p:nvSpPr>
+          <p:cNvPr id="5" name="바닥글 개체 틀 4">
+            <a:extLst>
+              <a:ext uri="{FF2B5EF4-FFF2-40B4-BE49-F238E27FC236}">
+                <a16:creationId xmlns:a16="http://schemas.microsoft.com/office/drawing/2014/main" id="{84F79F2D-4BE9-4822-9C4D-E5D601809425}"/>
+              </a:ext>
+            </a:extLst>
+          </p:cNvPr>
+          <p:cNvSpPr>
+            <a:spLocks noGrp="1"/>
+          </p:cNvSpPr>
+          <p:nvPr>
+            <p:ph type="ftr" sz="quarter" idx="3"/>
+          </p:nvPr>
+        </p:nvSpPr>
+        <p:spPr/>
+        <p:txBody>
+          <a:bodyPr/>
+          <a:lstStyle/>
+          <a:p>
+            <a:pPr algn="l"/>
+            <a:r>
+              <a:rPr lang="en-US" altLang="ko-KR"/>
+              <a:t>Nibble</a:t>
+            </a:r>
+            <a:endParaRPr lang="ko-KR" altLang="en-US" dirty="0"/>
+          </a:p>
+        </p:txBody>
+      </p:sp>
+      <p:sp>
+        <p:nvSpPr>
+          <p:cNvPr id="6" name="날짜 개체 틀 5">
+            <a:extLst>
+              <a:ext uri="{FF2B5EF4-FFF2-40B4-BE49-F238E27FC236}">
+                <a16:creationId xmlns:a16="http://schemas.microsoft.com/office/drawing/2014/main" id="{634ADC6C-867E-481E-B917-42AC98728E34}"/>
+              </a:ext>
+            </a:extLst>
+          </p:cNvPr>
+          <p:cNvSpPr>
+            <a:spLocks noGrp="1"/>
+          </p:cNvSpPr>
+          <p:nvPr>
+            <p:ph type="dt" sz="half" idx="13"/>
+          </p:nvPr>
+        </p:nvSpPr>
+        <p:spPr/>
+        <p:txBody>
+          <a:bodyPr/>
+          <a:lstStyle/>
+          <a:p>
+            <a:fld id="{B226B4E6-2447-4D67-A511-B13A2182F919}" type="datetime5">
+              <a:rPr lang="ko-KR" altLang="en-US" smtClean="0"/>
+              <a:t>2021/8/10</a:t>
+            </a:fld>
+            <a:endParaRPr lang="ko-KR" altLang="en-US" dirty="0"/>
+          </a:p>
+        </p:txBody>
+      </p:sp>
+    </p:spTree>
+    <p:extLst>
+      <p:ext uri="{BB962C8B-B14F-4D97-AF65-F5344CB8AC3E}">
+        <p14:creationId xmlns:p14="http://schemas.microsoft.com/office/powerpoint/2010/main" val="3023080143"/>
+      </p:ext>
+    </p:extLst>
+  </p:cSld>
+  <p:clrMapOvr>
+    <a:masterClrMapping/>
+  </p:clrMapOvr>
+</p:sld>
+</file>
+
+<file path=ppt/slides/slide14.xml><?xml version="1.0" encoding="utf-8"?>
+<p:sld xmlns:a="http://schemas.openxmlformats.org/drawingml/2006/main" xmlns:r="http://schemas.openxmlformats.org/officeDocument/2006/relationships" xmlns:p="http://schemas.openxmlformats.org/presentationml/2006/main">
+  <p:cSld>
+    <p:spTree>
+      <p:nvGrpSpPr>
+        <p:cNvPr id="1" name=""/>
+        <p:cNvGrpSpPr/>
+        <p:nvPr/>
+      </p:nvGrpSpPr>
+      <p:grpSpPr>
+        <a:xfrm>
+          <a:off x="0" y="0"/>
+          <a:ext cx="0" cy="0"/>
+          <a:chOff x="0" y="0"/>
+          <a:chExt cx="0" cy="0"/>
+        </a:xfrm>
+      </p:grpSpPr>
+      <p:sp>
+        <p:nvSpPr>
+          <p:cNvPr id="2" name="내용 개체 틀 1">
+            <a:extLst>
+              <a:ext uri="{FF2B5EF4-FFF2-40B4-BE49-F238E27FC236}">
+                <a16:creationId xmlns:a16="http://schemas.microsoft.com/office/drawing/2014/main" id="{10AF58FA-92E1-4DAF-87E8-CBE9B9C479D0}"/>
+              </a:ext>
+            </a:extLst>
+          </p:cNvPr>
+          <p:cNvSpPr>
+            <a:spLocks noGrp="1"/>
+          </p:cNvSpPr>
+          <p:nvPr>
+            <p:ph sz="half" idx="14"/>
+          </p:nvPr>
+        </p:nvSpPr>
+        <p:spPr/>
+        <p:txBody>
+          <a:bodyPr/>
+          <a:lstStyle/>
+          <a:p>
+            <a:r>
+              <a:rPr lang="en-US" altLang="ko-KR" dirty="0"/>
+              <a:t>OSI (Open System Interconnection) 7 Layer</a:t>
+            </a:r>
+          </a:p>
+          <a:p>
+            <a:pPr lvl="1"/>
+            <a:r>
+              <a:rPr lang="ko-KR" altLang="en-US" dirty="0"/>
+              <a:t>정의</a:t>
+            </a:r>
+            <a:r>
+              <a:rPr lang="en-US" altLang="ko-KR" dirty="0"/>
+              <a:t>: </a:t>
+            </a:r>
+            <a:r>
+              <a:rPr lang="ko-KR" altLang="en-US" dirty="0"/>
+              <a:t>시스템간 상호 연결 모델</a:t>
+            </a:r>
+            <a:endParaRPr lang="en-US" altLang="ko-KR" dirty="0"/>
+          </a:p>
+          <a:p>
+            <a:pPr lvl="1"/>
+            <a:r>
+              <a:rPr lang="ko-KR" altLang="en-US" dirty="0"/>
+              <a:t>계층</a:t>
+            </a:r>
+            <a:endParaRPr lang="en-US" altLang="ko-KR" dirty="0"/>
+          </a:p>
+          <a:p>
+            <a:pPr lvl="2"/>
+            <a:r>
+              <a:rPr lang="ko-KR" altLang="en-US" dirty="0"/>
+              <a:t>물리 계층</a:t>
+            </a:r>
+            <a:endParaRPr lang="en-US" altLang="ko-KR" dirty="0"/>
+          </a:p>
+          <a:p>
+            <a:pPr lvl="3"/>
+            <a:r>
+              <a:rPr lang="ko-KR" altLang="en-US" dirty="0"/>
+              <a:t>실제 장치를 연결하는 층</a:t>
+            </a:r>
+            <a:endParaRPr lang="en-US" altLang="ko-KR" dirty="0"/>
+          </a:p>
+          <a:p>
+            <a:pPr lvl="4"/>
+            <a:r>
+              <a:rPr lang="ko-KR" altLang="en-US" dirty="0"/>
+              <a:t>허브</a:t>
+            </a:r>
+            <a:r>
+              <a:rPr lang="en-US" altLang="ko-KR" dirty="0"/>
+              <a:t>: </a:t>
+            </a:r>
+            <a:r>
+              <a:rPr lang="ko-KR" altLang="en-US" dirty="0"/>
+              <a:t>하나로 수신된 정보를 여러 대로 송신한다</a:t>
+            </a:r>
+            <a:endParaRPr lang="en-US" altLang="ko-KR" dirty="0"/>
+          </a:p>
+          <a:p>
+            <a:pPr lvl="4"/>
+            <a:r>
+              <a:rPr lang="ko-KR" altLang="en-US" dirty="0"/>
+              <a:t>리피터</a:t>
+            </a:r>
+            <a:r>
+              <a:rPr lang="en-US" altLang="ko-KR" dirty="0"/>
+              <a:t>: </a:t>
+            </a:r>
+            <a:r>
+              <a:rPr lang="ko-KR" altLang="en-US" dirty="0"/>
+              <a:t>신호 증폭</a:t>
+            </a:r>
+            <a:endParaRPr lang="en-US" altLang="ko-KR" dirty="0"/>
+          </a:p>
+          <a:p>
+            <a:pPr lvl="2"/>
+            <a:r>
+              <a:rPr lang="ko-KR" altLang="en-US" dirty="0"/>
+              <a:t>데이터 링크 계층</a:t>
+            </a:r>
+            <a:endParaRPr lang="en-US" altLang="ko-KR" dirty="0"/>
+          </a:p>
+          <a:p>
+            <a:pPr lvl="3"/>
+            <a:r>
+              <a:rPr lang="ko-KR" altLang="en-US" dirty="0"/>
+              <a:t>노드 간의 오류</a:t>
+            </a:r>
+            <a:r>
+              <a:rPr lang="en-US" altLang="ko-KR" dirty="0"/>
+              <a:t>, </a:t>
+            </a:r>
+            <a:r>
+              <a:rPr lang="ko-KR" altLang="en-US" dirty="0"/>
+              <a:t>흐름</a:t>
+            </a:r>
+            <a:r>
+              <a:rPr lang="en-US" altLang="ko-KR" dirty="0"/>
+              <a:t>, </a:t>
+            </a:r>
+            <a:r>
+              <a:rPr lang="ko-KR" altLang="en-US" dirty="0"/>
+              <a:t>회선 제어</a:t>
+            </a:r>
+            <a:endParaRPr lang="en-US" altLang="ko-KR" dirty="0"/>
+          </a:p>
+          <a:p>
+            <a:pPr lvl="4"/>
+            <a:r>
+              <a:rPr lang="en-US" altLang="ko-KR" dirty="0"/>
+              <a:t>Switch: </a:t>
+            </a:r>
+            <a:r>
+              <a:rPr lang="ko-KR" altLang="en-US" dirty="0"/>
+              <a:t>느린</a:t>
+            </a:r>
+            <a:r>
+              <a:rPr lang="en-US" altLang="ko-KR" dirty="0"/>
+              <a:t> Bridge, Hub</a:t>
+            </a:r>
+            <a:r>
+              <a:rPr lang="ko-KR" altLang="en-US" dirty="0"/>
+              <a:t>의 개선</a:t>
+            </a:r>
+            <a:endParaRPr lang="en-US" altLang="ko-KR" dirty="0"/>
+          </a:p>
+          <a:p>
+            <a:pPr lvl="4"/>
+            <a:r>
+              <a:rPr lang="en-US" altLang="ko-KR" dirty="0"/>
+              <a:t>Bridge: </a:t>
+            </a:r>
+            <a:r>
+              <a:rPr lang="ko-KR" altLang="en-US" dirty="0"/>
+              <a:t>두개의 </a:t>
+            </a:r>
+            <a:r>
+              <a:rPr lang="en-US" altLang="ko-KR" dirty="0"/>
+              <a:t>LAN</a:t>
+            </a:r>
+            <a:r>
+              <a:rPr lang="ko-KR" altLang="en-US" dirty="0"/>
+              <a:t>을 연결</a:t>
+            </a:r>
+            <a:endParaRPr lang="en-US" altLang="ko-KR" dirty="0"/>
+          </a:p>
+          <a:p>
+            <a:pPr lvl="2"/>
+            <a:r>
+              <a:rPr lang="ko-KR" altLang="en-US" dirty="0"/>
+              <a:t>네트워크 계층</a:t>
+            </a:r>
+            <a:endParaRPr lang="en-US" altLang="ko-KR" dirty="0"/>
+          </a:p>
+          <a:p>
+            <a:pPr lvl="3"/>
+            <a:r>
+              <a:rPr lang="ko-KR" altLang="en-US" dirty="0"/>
+              <a:t>패킷을 네트워크로 전달</a:t>
+            </a:r>
+            <a:r>
+              <a:rPr lang="en-US" altLang="ko-KR" dirty="0"/>
+              <a:t>, </a:t>
+            </a:r>
+            <a:r>
+              <a:rPr lang="ko-KR" altLang="en-US" dirty="0"/>
+              <a:t>품질 충족</a:t>
+            </a:r>
+            <a:endParaRPr lang="en-US" altLang="ko-KR" dirty="0"/>
+          </a:p>
+          <a:p>
+            <a:pPr lvl="4"/>
+            <a:r>
+              <a:rPr lang="en-US" altLang="ko-KR" dirty="0"/>
+              <a:t>Router:</a:t>
+            </a:r>
+            <a:r>
+              <a:rPr lang="ko-KR" altLang="en-US" dirty="0"/>
+              <a:t> 패킷의 경로 결정</a:t>
+            </a:r>
+            <a:endParaRPr lang="en-US" altLang="ko-KR" dirty="0"/>
+          </a:p>
+        </p:txBody>
+      </p:sp>
+      <p:sp>
+        <p:nvSpPr>
+          <p:cNvPr id="3" name="제목 2">
+            <a:extLst>
+              <a:ext uri="{FF2B5EF4-FFF2-40B4-BE49-F238E27FC236}">
+                <a16:creationId xmlns:a16="http://schemas.microsoft.com/office/drawing/2014/main" id="{FE8C14A6-20DE-4CBA-B22C-E356ADE1645D}"/>
+              </a:ext>
+            </a:extLst>
+          </p:cNvPr>
+          <p:cNvSpPr>
+            <a:spLocks noGrp="1"/>
+          </p:cNvSpPr>
+          <p:nvPr>
+            <p:ph type="title"/>
+          </p:nvPr>
+        </p:nvSpPr>
+        <p:spPr/>
+        <p:txBody>
+          <a:bodyPr/>
+          <a:lstStyle/>
+          <a:p>
+            <a:r>
+              <a:rPr lang="ko-KR" altLang="en-US" dirty="0"/>
+              <a:t>네트워크</a:t>
+            </a:r>
+            <a:r>
+              <a:rPr lang="en-US" altLang="ko-KR" dirty="0"/>
+              <a:t> 7</a:t>
+            </a:r>
+            <a:r>
+              <a:rPr lang="ko-KR" altLang="en-US" dirty="0"/>
+              <a:t>계층</a:t>
+            </a:r>
+          </a:p>
+        </p:txBody>
+      </p:sp>
+      <p:sp>
+        <p:nvSpPr>
+          <p:cNvPr id="4" name="내용 개체 틀 3">
+            <a:extLst>
+              <a:ext uri="{FF2B5EF4-FFF2-40B4-BE49-F238E27FC236}">
+                <a16:creationId xmlns:a16="http://schemas.microsoft.com/office/drawing/2014/main" id="{315B1314-EA04-4CA9-8559-BF32DFA09012}"/>
+              </a:ext>
+            </a:extLst>
+          </p:cNvPr>
+          <p:cNvSpPr>
+            <a:spLocks noGrp="1"/>
+          </p:cNvSpPr>
+          <p:nvPr>
+            <p:ph sz="half" idx="2"/>
+          </p:nvPr>
+        </p:nvSpPr>
+        <p:spPr/>
+        <p:txBody>
+          <a:bodyPr/>
+          <a:lstStyle/>
+          <a:p>
+            <a:endParaRPr lang="en-US" altLang="ko-KR" dirty="0"/>
+          </a:p>
+          <a:p>
+            <a:pPr lvl="1"/>
+            <a:endParaRPr lang="en-US" altLang="ko-KR" dirty="0"/>
+          </a:p>
+          <a:p>
+            <a:pPr lvl="2"/>
+            <a:endParaRPr lang="en-US" altLang="ko-KR" dirty="0"/>
+          </a:p>
+          <a:p>
+            <a:pPr lvl="2"/>
+            <a:r>
+              <a:rPr lang="ko-KR" altLang="en-US" dirty="0"/>
+              <a:t>전송 계층</a:t>
+            </a:r>
+            <a:endParaRPr lang="en-US" altLang="ko-KR" dirty="0"/>
+          </a:p>
+          <a:p>
+            <a:pPr lvl="3"/>
+            <a:r>
+              <a:rPr lang="ko-KR" altLang="en-US" dirty="0"/>
+              <a:t>데이터를 오류 없이 주고 받는 층</a:t>
+            </a:r>
+            <a:endParaRPr lang="en-US" altLang="ko-KR" dirty="0"/>
+          </a:p>
+          <a:p>
+            <a:pPr lvl="4"/>
+            <a:r>
+              <a:rPr lang="en-US" altLang="ko-KR" dirty="0"/>
+              <a:t>TCP: </a:t>
+            </a:r>
+            <a:r>
+              <a:rPr lang="ko-KR" altLang="en-US" dirty="0"/>
+              <a:t>오류 제거 신뢰 가능 프로토콜</a:t>
+            </a:r>
+            <a:endParaRPr lang="en-US" altLang="ko-KR" dirty="0"/>
+          </a:p>
+          <a:p>
+            <a:pPr lvl="4"/>
+            <a:r>
+              <a:rPr lang="en-US" altLang="ko-KR" dirty="0"/>
+              <a:t>UDP: </a:t>
+            </a:r>
+            <a:r>
+              <a:rPr lang="ko-KR" altLang="en-US" dirty="0"/>
+              <a:t>오류 제거 신뢰 없는 프로토콜</a:t>
+            </a:r>
+            <a:endParaRPr lang="en-US" altLang="ko-KR" dirty="0"/>
+          </a:p>
+          <a:p>
+            <a:pPr lvl="2"/>
+            <a:r>
+              <a:rPr lang="ko-KR" altLang="en-US" dirty="0"/>
+              <a:t>세션 계층</a:t>
+            </a:r>
+            <a:endParaRPr lang="en-US" altLang="ko-KR" dirty="0"/>
+          </a:p>
+          <a:p>
+            <a:pPr lvl="3"/>
+            <a:r>
+              <a:rPr lang="ko-KR" altLang="en-US" dirty="0"/>
+              <a:t>프로세스 간 세션을 담당</a:t>
+            </a:r>
+            <a:endParaRPr lang="en-US" altLang="ko-KR" dirty="0"/>
+          </a:p>
+          <a:p>
+            <a:pPr lvl="2"/>
+            <a:r>
+              <a:rPr lang="ko-KR" altLang="en-US" dirty="0"/>
+              <a:t>표현 계층</a:t>
+            </a:r>
+            <a:endParaRPr lang="en-US" altLang="ko-KR" dirty="0"/>
+          </a:p>
+          <a:p>
+            <a:pPr lvl="3"/>
+            <a:r>
+              <a:rPr lang="ko-KR" altLang="en-US" dirty="0"/>
+              <a:t>정보를 </a:t>
+            </a:r>
+            <a:r>
+              <a:rPr lang="en-US" altLang="ko-KR" dirty="0"/>
+              <a:t>App</a:t>
+            </a:r>
+            <a:r>
+              <a:rPr lang="ko-KR" altLang="en-US" dirty="0"/>
+              <a:t>이 다루는 형태로 </a:t>
+            </a:r>
+            <a:endParaRPr lang="en-US" altLang="ko-KR" dirty="0"/>
+          </a:p>
+          <a:p>
+            <a:pPr lvl="2"/>
+            <a:r>
+              <a:rPr lang="ko-KR" altLang="en-US" dirty="0"/>
+              <a:t>응용 계층</a:t>
+            </a:r>
+            <a:endParaRPr lang="en-US" altLang="ko-KR" dirty="0"/>
+          </a:p>
+          <a:p>
+            <a:pPr lvl="3"/>
+            <a:r>
+              <a:rPr lang="ko-KR" altLang="en-US" dirty="0"/>
+              <a:t>정보 사용</a:t>
+            </a:r>
+          </a:p>
+          <a:p>
+            <a:pPr lvl="2"/>
+            <a:endParaRPr lang="ko-KR" altLang="en-US" dirty="0"/>
+          </a:p>
+        </p:txBody>
+      </p:sp>
+      <p:sp>
+        <p:nvSpPr>
+          <p:cNvPr id="5" name="슬라이드 번호 개체 틀 4">
+            <a:extLst>
+              <a:ext uri="{FF2B5EF4-FFF2-40B4-BE49-F238E27FC236}">
+                <a16:creationId xmlns:a16="http://schemas.microsoft.com/office/drawing/2014/main" id="{B23FF5CE-DE8C-451B-A970-82DBD4122B1F}"/>
+              </a:ext>
+            </a:extLst>
+          </p:cNvPr>
+          <p:cNvSpPr>
+            <a:spLocks noGrp="1"/>
+          </p:cNvSpPr>
+          <p:nvPr>
+            <p:ph type="sldNum" sz="quarter" idx="12"/>
+          </p:nvPr>
+        </p:nvSpPr>
+        <p:spPr/>
+        <p:txBody>
+          <a:bodyPr/>
+          <a:lstStyle/>
+          <a:p>
+            <a:fld id="{89BED30C-66D9-4104-96BC-081A506F0CF0}" type="slidenum">
+              <a:rPr lang="ko-KR" altLang="en-US" smtClean="0"/>
+              <a:t>14</a:t>
+            </a:fld>
+            <a:endParaRPr lang="ko-KR" altLang="en-US"/>
+          </a:p>
+        </p:txBody>
+      </p:sp>
+      <p:sp>
+        <p:nvSpPr>
+          <p:cNvPr id="6" name="바닥글 개체 틀 5">
+            <a:extLst>
+              <a:ext uri="{FF2B5EF4-FFF2-40B4-BE49-F238E27FC236}">
+                <a16:creationId xmlns:a16="http://schemas.microsoft.com/office/drawing/2014/main" id="{4DE8BFB7-ED2F-4AC8-977C-4153402EEE69}"/>
+              </a:ext>
+            </a:extLst>
+          </p:cNvPr>
+          <p:cNvSpPr>
+            <a:spLocks noGrp="1"/>
+          </p:cNvSpPr>
+          <p:nvPr>
+            <p:ph type="ftr" sz="quarter" idx="3"/>
+          </p:nvPr>
+        </p:nvSpPr>
+        <p:spPr/>
+        <p:txBody>
+          <a:bodyPr/>
+          <a:lstStyle/>
+          <a:p>
+            <a:pPr algn="l"/>
+            <a:r>
+              <a:rPr lang="en-US" altLang="ko-KR"/>
+              <a:t>Nibble</a:t>
+            </a:r>
+            <a:endParaRPr lang="ko-KR" altLang="en-US" dirty="0"/>
+          </a:p>
+        </p:txBody>
+      </p:sp>
+      <p:sp>
+        <p:nvSpPr>
+          <p:cNvPr id="7" name="날짜 개체 틀 6">
+            <a:extLst>
+              <a:ext uri="{FF2B5EF4-FFF2-40B4-BE49-F238E27FC236}">
+                <a16:creationId xmlns:a16="http://schemas.microsoft.com/office/drawing/2014/main" id="{99F97BD6-5902-40A4-A12D-37E9EFC00AAF}"/>
+              </a:ext>
+            </a:extLst>
+          </p:cNvPr>
+          <p:cNvSpPr>
+            <a:spLocks noGrp="1"/>
+          </p:cNvSpPr>
+          <p:nvPr>
+            <p:ph type="dt" sz="half" idx="13"/>
+          </p:nvPr>
+        </p:nvSpPr>
+        <p:spPr/>
+        <p:txBody>
+          <a:bodyPr/>
+          <a:lstStyle/>
+          <a:p>
+            <a:fld id="{B226B4E6-2447-4D67-A511-B13A2182F919}" type="datetime5">
+              <a:rPr lang="ko-KR" altLang="en-US" smtClean="0"/>
+              <a:t>2021/8/10</a:t>
+            </a:fld>
+            <a:endParaRPr lang="ko-KR" altLang="en-US" dirty="0"/>
+          </a:p>
+        </p:txBody>
+      </p:sp>
+    </p:spTree>
+    <p:extLst>
+      <p:ext uri="{BB962C8B-B14F-4D97-AF65-F5344CB8AC3E}">
+        <p14:creationId xmlns:p14="http://schemas.microsoft.com/office/powerpoint/2010/main" val="3914437072"/>
+      </p:ext>
+    </p:extLst>
+  </p:cSld>
+  <p:clrMapOvr>
+    <a:masterClrMapping/>
+  </p:clrMapOvr>
+</p:sld>
+</file>
+
+<file path=ppt/slides/slide15.xml><?xml version="1.0" encoding="utf-8"?>
+<p:sld xmlns:a="http://schemas.openxmlformats.org/drawingml/2006/main" xmlns:r="http://schemas.openxmlformats.org/officeDocument/2006/relationships" xmlns:p="http://schemas.openxmlformats.org/presentationml/2006/main">
+  <p:cSld>
+    <p:spTree>
+      <p:nvGrpSpPr>
+        <p:cNvPr id="1" name=""/>
+        <p:cNvGrpSpPr/>
+        <p:nvPr/>
+      </p:nvGrpSpPr>
+      <p:grpSpPr>
+        <a:xfrm>
+          <a:off x="0" y="0"/>
+          <a:ext cx="0" cy="0"/>
+          <a:chOff x="0" y="0"/>
+          <a:chExt cx="0" cy="0"/>
+        </a:xfrm>
+      </p:grpSpPr>
+      <p:sp>
+        <p:nvSpPr>
+          <p:cNvPr id="2" name="내용 개체 틀 1">
+            <a:extLst>
+              <a:ext uri="{FF2B5EF4-FFF2-40B4-BE49-F238E27FC236}">
+                <a16:creationId xmlns:a16="http://schemas.microsoft.com/office/drawing/2014/main" id="{9ED797D9-A45A-4F39-9BC6-631488A69445}"/>
+              </a:ext>
+            </a:extLst>
+          </p:cNvPr>
+          <p:cNvSpPr>
+            <a:spLocks noGrp="1"/>
+          </p:cNvSpPr>
+          <p:nvPr>
+            <p:ph sz="half" idx="14"/>
+          </p:nvPr>
+        </p:nvSpPr>
+        <p:spPr/>
+        <p:txBody>
+          <a:bodyPr/>
+          <a:lstStyle/>
+          <a:p>
+            <a:r>
+              <a:rPr lang="en-US" altLang="ko-KR" dirty="0"/>
+              <a:t>IP </a:t>
+            </a:r>
+            <a:r>
+              <a:rPr lang="ko-KR" altLang="en-US" dirty="0"/>
+              <a:t>전환</a:t>
+            </a:r>
+            <a:r>
+              <a:rPr lang="en-US" altLang="ko-KR" dirty="0"/>
+              <a:t> </a:t>
+            </a:r>
+            <a:r>
+              <a:rPr lang="ko-KR" altLang="en-US" dirty="0"/>
+              <a:t>방법</a:t>
+            </a:r>
+            <a:endParaRPr lang="en-US" altLang="ko-KR" dirty="0"/>
+          </a:p>
+          <a:p>
+            <a:pPr lvl="1"/>
+            <a:r>
+              <a:rPr lang="ko-KR" altLang="en-US" dirty="0"/>
+              <a:t>듀얼 스택</a:t>
+            </a:r>
+            <a:endParaRPr lang="en-US" altLang="ko-KR" dirty="0"/>
+          </a:p>
+          <a:p>
+            <a:pPr lvl="2"/>
+            <a:r>
+              <a:rPr lang="ko-KR" altLang="en-US" dirty="0"/>
+              <a:t>기기에 </a:t>
+            </a:r>
+            <a:r>
+              <a:rPr lang="en-US" altLang="ko-KR" dirty="0"/>
+              <a:t>IP </a:t>
+            </a:r>
+            <a:r>
+              <a:rPr lang="ko-KR" altLang="en-US" dirty="0"/>
+              <a:t>계층이 </a:t>
+            </a:r>
+            <a:r>
+              <a:rPr lang="en-US" altLang="ko-KR" dirty="0"/>
+              <a:t>2</a:t>
+            </a:r>
+            <a:r>
+              <a:rPr lang="ko-KR" altLang="en-US" dirty="0"/>
+              <a:t>개 있어 상황에 따라 </a:t>
+            </a:r>
+            <a:r>
+              <a:rPr lang="en-US" altLang="ko-KR" dirty="0"/>
+              <a:t>v4, v6 </a:t>
+            </a:r>
+            <a:r>
+              <a:rPr lang="ko-KR" altLang="en-US" dirty="0"/>
+              <a:t>사용</a:t>
+            </a:r>
+            <a:endParaRPr lang="en-US" altLang="ko-KR" dirty="0"/>
+          </a:p>
+          <a:p>
+            <a:pPr lvl="1"/>
+            <a:r>
+              <a:rPr lang="ko-KR" altLang="en-US" dirty="0" err="1"/>
+              <a:t>터널링</a:t>
+            </a:r>
+            <a:endParaRPr lang="en-US" altLang="ko-KR" dirty="0"/>
+          </a:p>
+          <a:p>
+            <a:pPr lvl="2"/>
+            <a:r>
+              <a:rPr lang="en-US" altLang="ko-KR" dirty="0"/>
+              <a:t>V6</a:t>
+            </a:r>
+            <a:r>
+              <a:rPr lang="ko-KR" altLang="en-US" dirty="0"/>
+              <a:t>에서 </a:t>
+            </a:r>
+            <a:r>
+              <a:rPr lang="en-US" altLang="ko-KR" dirty="0"/>
+              <a:t>v4</a:t>
+            </a:r>
+            <a:r>
+              <a:rPr lang="ko-KR" altLang="en-US" dirty="0"/>
+              <a:t>를 거쳐갈 때</a:t>
+            </a:r>
+            <a:r>
+              <a:rPr lang="en-US" altLang="ko-KR" dirty="0"/>
+              <a:t>, v6</a:t>
+            </a:r>
+            <a:r>
+              <a:rPr lang="ko-KR" altLang="en-US" dirty="0"/>
+              <a:t>를 </a:t>
+            </a:r>
+            <a:r>
+              <a:rPr lang="en-US" altLang="ko-KR" dirty="0"/>
+              <a:t>v4</a:t>
+            </a:r>
+            <a:r>
+              <a:rPr lang="ko-KR" altLang="en-US" dirty="0"/>
+              <a:t>로 캡슐화</a:t>
+            </a:r>
+            <a:endParaRPr lang="en-US" altLang="ko-KR" dirty="0"/>
+          </a:p>
+          <a:p>
+            <a:pPr lvl="1"/>
+            <a:r>
+              <a:rPr lang="ko-KR" altLang="en-US" dirty="0"/>
+              <a:t>주소 변환</a:t>
+            </a:r>
+            <a:endParaRPr lang="en-US" altLang="ko-KR" dirty="0"/>
+          </a:p>
+          <a:p>
+            <a:pPr lvl="2"/>
+            <a:r>
+              <a:rPr lang="en-US" altLang="ko-KR" dirty="0"/>
+              <a:t>V6</a:t>
+            </a:r>
+            <a:r>
+              <a:rPr lang="ko-KR" altLang="en-US" dirty="0"/>
+              <a:t>를 직접 </a:t>
+            </a:r>
+            <a:r>
+              <a:rPr lang="en-US" altLang="ko-KR" dirty="0"/>
+              <a:t>v4</a:t>
+            </a:r>
+            <a:r>
+              <a:rPr lang="ko-KR" altLang="en-US"/>
+              <a:t>로 변환</a:t>
+            </a:r>
+            <a:endParaRPr lang="ko-KR" altLang="en-US" dirty="0"/>
+          </a:p>
+        </p:txBody>
+      </p:sp>
+      <p:sp>
+        <p:nvSpPr>
+          <p:cNvPr id="3" name="제목 2">
+            <a:extLst>
+              <a:ext uri="{FF2B5EF4-FFF2-40B4-BE49-F238E27FC236}">
+                <a16:creationId xmlns:a16="http://schemas.microsoft.com/office/drawing/2014/main" id="{58285ACF-E49F-4DDF-80C9-4F274263E915}"/>
+              </a:ext>
+            </a:extLst>
+          </p:cNvPr>
+          <p:cNvSpPr>
+            <a:spLocks noGrp="1"/>
+          </p:cNvSpPr>
+          <p:nvPr>
+            <p:ph type="title"/>
+          </p:nvPr>
+        </p:nvSpPr>
+        <p:spPr/>
+        <p:txBody>
+          <a:bodyPr/>
+          <a:lstStyle/>
+          <a:p>
+            <a:r>
+              <a:rPr lang="en-US" altLang="ko-KR" dirty="0"/>
+              <a:t>IP</a:t>
+            </a:r>
+            <a:endParaRPr lang="ko-KR" altLang="en-US" dirty="0"/>
+          </a:p>
+        </p:txBody>
+      </p:sp>
+      <p:sp>
+        <p:nvSpPr>
+          <p:cNvPr id="4" name="내용 개체 틀 3">
+            <a:extLst>
+              <a:ext uri="{FF2B5EF4-FFF2-40B4-BE49-F238E27FC236}">
+                <a16:creationId xmlns:a16="http://schemas.microsoft.com/office/drawing/2014/main" id="{99A1BF93-4D00-44CE-82C3-4433E235049D}"/>
+              </a:ext>
+            </a:extLst>
+          </p:cNvPr>
+          <p:cNvSpPr>
+            <a:spLocks noGrp="1"/>
+          </p:cNvSpPr>
+          <p:nvPr>
+            <p:ph sz="half" idx="2"/>
+          </p:nvPr>
+        </p:nvSpPr>
+        <p:spPr/>
+        <p:txBody>
+          <a:bodyPr/>
+          <a:lstStyle/>
+          <a:p>
+            <a:endParaRPr lang="ko-KR" altLang="en-US"/>
+          </a:p>
+        </p:txBody>
+      </p:sp>
+      <p:sp>
+        <p:nvSpPr>
+          <p:cNvPr id="5" name="슬라이드 번호 개체 틀 4">
+            <a:extLst>
+              <a:ext uri="{FF2B5EF4-FFF2-40B4-BE49-F238E27FC236}">
+                <a16:creationId xmlns:a16="http://schemas.microsoft.com/office/drawing/2014/main" id="{161E789D-8916-42B0-9610-77D3B66DB86E}"/>
+              </a:ext>
+            </a:extLst>
+          </p:cNvPr>
+          <p:cNvSpPr>
+            <a:spLocks noGrp="1"/>
+          </p:cNvSpPr>
+          <p:nvPr>
+            <p:ph type="sldNum" sz="quarter" idx="12"/>
+          </p:nvPr>
+        </p:nvSpPr>
+        <p:spPr/>
+        <p:txBody>
+          <a:bodyPr/>
+          <a:lstStyle/>
+          <a:p>
+            <a:fld id="{89BED30C-66D9-4104-96BC-081A506F0CF0}" type="slidenum">
+              <a:rPr lang="ko-KR" altLang="en-US" smtClean="0"/>
+              <a:t>15</a:t>
+            </a:fld>
+            <a:endParaRPr lang="ko-KR" altLang="en-US"/>
+          </a:p>
+        </p:txBody>
+      </p:sp>
+      <p:sp>
+        <p:nvSpPr>
+          <p:cNvPr id="6" name="바닥글 개체 틀 5">
+            <a:extLst>
+              <a:ext uri="{FF2B5EF4-FFF2-40B4-BE49-F238E27FC236}">
+                <a16:creationId xmlns:a16="http://schemas.microsoft.com/office/drawing/2014/main" id="{C989BFA7-261D-48C5-81FA-FFA5A9750599}"/>
+              </a:ext>
+            </a:extLst>
+          </p:cNvPr>
+          <p:cNvSpPr>
+            <a:spLocks noGrp="1"/>
+          </p:cNvSpPr>
+          <p:nvPr>
+            <p:ph type="ftr" sz="quarter" idx="3"/>
+          </p:nvPr>
+        </p:nvSpPr>
+        <p:spPr/>
+        <p:txBody>
+          <a:bodyPr/>
+          <a:lstStyle/>
+          <a:p>
+            <a:pPr algn="l"/>
+            <a:r>
+              <a:rPr lang="en-US" altLang="ko-KR"/>
+              <a:t>Nibble</a:t>
+            </a:r>
+            <a:endParaRPr lang="ko-KR" altLang="en-US" dirty="0"/>
+          </a:p>
+        </p:txBody>
+      </p:sp>
+      <p:sp>
+        <p:nvSpPr>
+          <p:cNvPr id="7" name="날짜 개체 틀 6">
+            <a:extLst>
+              <a:ext uri="{FF2B5EF4-FFF2-40B4-BE49-F238E27FC236}">
+                <a16:creationId xmlns:a16="http://schemas.microsoft.com/office/drawing/2014/main" id="{EEB61A17-C3B5-4EBF-9EBD-856D0F171E41}"/>
+              </a:ext>
+            </a:extLst>
+          </p:cNvPr>
+          <p:cNvSpPr>
+            <a:spLocks noGrp="1"/>
+          </p:cNvSpPr>
+          <p:nvPr>
+            <p:ph type="dt" sz="half" idx="13"/>
+          </p:nvPr>
+        </p:nvSpPr>
+        <p:spPr/>
+        <p:txBody>
+          <a:bodyPr/>
+          <a:lstStyle/>
+          <a:p>
+            <a:fld id="{B226B4E6-2447-4D67-A511-B13A2182F919}" type="datetime5">
+              <a:rPr lang="ko-KR" altLang="en-US" smtClean="0"/>
+              <a:t>2021/8/10</a:t>
+            </a:fld>
+            <a:endParaRPr lang="ko-KR" altLang="en-US" dirty="0"/>
+          </a:p>
+        </p:txBody>
+      </p:sp>
+    </p:spTree>
+    <p:extLst>
+      <p:ext uri="{BB962C8B-B14F-4D97-AF65-F5344CB8AC3E}">
+        <p14:creationId xmlns:p14="http://schemas.microsoft.com/office/powerpoint/2010/main" val="2577857594"/>
+      </p:ext>
+    </p:extLst>
+  </p:cSld>
+  <p:clrMapOvr>
+    <a:masterClrMapping/>
+  </p:clrMapOvr>
+</p:sld>
+</file>
+
 <file path=ppt/slides/slide2.xml><?xml version="1.0" encoding="utf-8"?>
 <p:sld xmlns:a="http://schemas.openxmlformats.org/drawingml/2006/main" xmlns:r="http://schemas.openxmlformats.org/officeDocument/2006/relationships" xmlns:p="http://schemas.openxmlformats.org/presentationml/2006/main">
   <p:cSld>
@@ -3298,6 +5903,37 @@
               <a:rPr lang="ko-KR" altLang="en-US" dirty="0"/>
               <a:t>언어 특성 활용</a:t>
             </a:r>
+            <a:endParaRPr lang="en-US" altLang="ko-KR" dirty="0"/>
+          </a:p>
+          <a:p>
+            <a:r>
+              <a:rPr lang="ko-KR" altLang="en-US" dirty="0"/>
+              <a:t>응용 </a:t>
+            </a:r>
+            <a:r>
+              <a:rPr lang="en-US" altLang="ko-KR" dirty="0"/>
+              <a:t>SW </a:t>
+            </a:r>
+            <a:r>
+              <a:rPr lang="ko-KR" altLang="en-US" dirty="0"/>
+              <a:t>기초 기술 활용</a:t>
+            </a:r>
+            <a:endParaRPr lang="en-US" altLang="ko-KR" dirty="0"/>
+          </a:p>
+          <a:p>
+            <a:pPr lvl="1"/>
+            <a:r>
+              <a:rPr lang="ko-KR" altLang="en-US" dirty="0"/>
+              <a:t>운영체제 기초 활용</a:t>
+            </a:r>
+            <a:endParaRPr lang="en-US" altLang="ko-KR" dirty="0"/>
+          </a:p>
+          <a:p>
+            <a:pPr lvl="1"/>
+            <a:r>
+              <a:rPr lang="ko-KR" altLang="en-US" dirty="0"/>
+              <a:t>네트워크 기초 활용</a:t>
+            </a:r>
           </a:p>
         </p:txBody>
       </p:sp>
@@ -3437,7 +6073,7 @@
           <a:p>
             <a:fld id="{B226B4E6-2447-4D67-A511-B13A2182F919}" type="datetime5">
               <a:rPr lang="ko-KR" altLang="en-US" smtClean="0"/>
-              <a:t>2021/8/7</a:t>
+              <a:t>2021/8/9</a:t>
             </a:fld>
             <a:endParaRPr lang="ko-KR" altLang="en-US" dirty="0"/>
           </a:p>
@@ -3898,7 +6534,7 @@
           <a:p>
             <a:fld id="{B226B4E6-2447-4D67-A511-B13A2182F919}" type="datetime5">
               <a:rPr lang="ko-KR" altLang="en-US" smtClean="0"/>
-              <a:t>2021/8/7</a:t>
+              <a:t>2021/8/9</a:t>
             </a:fld>
             <a:endParaRPr lang="ko-KR" altLang="en-US" dirty="0"/>
           </a:p>
@@ -4186,7 +6822,7 @@
           <a:p>
             <a:fld id="{B226B4E6-2447-4D67-A511-B13A2182F919}" type="datetime5">
               <a:rPr lang="ko-KR" altLang="en-US" smtClean="0"/>
-              <a:t>2021/8/7</a:t>
+              <a:t>2021/8/9</a:t>
             </a:fld>
             <a:endParaRPr lang="ko-KR" altLang="en-US" dirty="0"/>
           </a:p>
@@ -4495,7 +7131,7 @@
           <a:p>
             <a:fld id="{B226B4E6-2447-4D67-A511-B13A2182F919}" type="datetime5">
               <a:rPr lang="ko-KR" altLang="en-US" smtClean="0"/>
-              <a:t>2021/8/7</a:t>
+              <a:t>2021/8/9</a:t>
             </a:fld>
             <a:endParaRPr lang="ko-KR" altLang="en-US" dirty="0"/>
           </a:p>
@@ -4835,7 +7471,7 @@
           <a:p>
             <a:fld id="{B226B4E6-2447-4D67-A511-B13A2182F919}" type="datetime5">
               <a:rPr lang="ko-KR" altLang="en-US" smtClean="0"/>
-              <a:t>2021/8/7</a:t>
+              <a:t>2021/8/9</a:t>
             </a:fld>
             <a:endParaRPr lang="ko-KR" altLang="en-US" dirty="0"/>
           </a:p>
@@ -5203,7 +7839,7 @@
           <a:p>
             <a:fld id="{B226B4E6-2447-4D67-A511-B13A2182F919}" type="datetime5">
               <a:rPr lang="ko-KR" altLang="en-US" smtClean="0"/>
-              <a:t>2021/8/7</a:t>
+              <a:t>2021/8/9</a:t>
             </a:fld>
             <a:endParaRPr lang="ko-KR" altLang="en-US" dirty="0"/>
           </a:p>
@@ -5563,7 +8199,7 @@
           <a:p>
             <a:fld id="{B226B4E6-2447-4D67-A511-B13A2182F919}" type="datetime5">
               <a:rPr lang="ko-KR" altLang="en-US" smtClean="0"/>
-              <a:t>2021/8/7</a:t>
+              <a:t>2021/8/9</a:t>
             </a:fld>
             <a:endParaRPr lang="ko-KR" altLang="en-US" dirty="0"/>
           </a:p>
@@ -6035,7 +8671,7 @@
           <a:p>
             <a:fld id="{B226B4E6-2447-4D67-A511-B13A2182F919}" type="datetime5">
               <a:rPr lang="ko-KR" altLang="en-US" smtClean="0"/>
-              <a:t>2021/8/7</a:t>
+              <a:t>2021/8/9</a:t>
             </a:fld>
             <a:endParaRPr lang="ko-KR" altLang="en-US" dirty="0"/>
           </a:p>
